--- a/Gti導入マニュアル.pptx
+++ b/Gti導入マニュアル.pptx
@@ -6,6 +6,8 @@
   </p:sldMasterIdLst>
   <p:sldIdLst>
     <p:sldId id="256" r:id="rId2"/>
+    <p:sldId id="257" r:id="rId3"/>
+    <p:sldId id="258" r:id="rId4"/>
   </p:sldIdLst>
   <p:sldSz cx="12192000" cy="6858000"/>
   <p:notesSz cx="6858000" cy="9144000"/>
@@ -104,6 +106,11 @@
       </a:defRPr>
     </a:lvl9pPr>
   </p:defaultTextStyle>
+  <p:extLst>
+    <p:ext uri="{EFAFB233-063F-42B5-8137-9DF3F51BA10A}">
+      <p15:sldGuideLst xmlns:p15="http://schemas.microsoft.com/office/powerpoint/2012/main"/>
+    </p:ext>
+  </p:extLst>
 </p:presentation>
 </file>
 
@@ -3799,6 +3806,685 @@
 </p:sld>
 </file>
 
+<file path=ppt/slides/slide2.xml><?xml version="1.0" encoding="utf-8"?>
+<p:sld xmlns:a="http://schemas.openxmlformats.org/drawingml/2006/main" xmlns:r="http://schemas.openxmlformats.org/officeDocument/2006/relationships" xmlns:p="http://schemas.openxmlformats.org/presentationml/2006/main">
+  <p:cSld>
+    <p:spTree>
+      <p:nvGrpSpPr>
+        <p:cNvPr id="1" name=""/>
+        <p:cNvGrpSpPr/>
+        <p:nvPr/>
+      </p:nvGrpSpPr>
+      <p:grpSpPr>
+        <a:xfrm>
+          <a:off x="0" y="0"/>
+          <a:ext cx="0" cy="0"/>
+          <a:chOff x="0" y="0"/>
+          <a:chExt cx="0" cy="0"/>
+        </a:xfrm>
+      </p:grpSpPr>
+      <p:pic>
+        <p:nvPicPr>
+          <p:cNvPr id="1028" name="Picture 4">
+            <a:extLst>
+              <a:ext uri="{FF2B5EF4-FFF2-40B4-BE49-F238E27FC236}">
+                <a16:creationId xmlns:a16="http://schemas.microsoft.com/office/drawing/2014/main" id="{908F1874-6C84-977A-3D38-247EF2FBEEA0}"/>
+              </a:ext>
+            </a:extLst>
+          </p:cNvPr>
+          <p:cNvPicPr>
+            <a:picLocks noChangeAspect="1" noChangeArrowheads="1"/>
+          </p:cNvPicPr>
+          <p:nvPr/>
+        </p:nvPicPr>
+        <p:blipFill>
+          <a:blip r:embed="rId2">
+            <a:extLst>
+              <a:ext uri="{28A0092B-C50C-407E-A947-70E740481C1C}">
+                <a14:useLocalDpi xmlns:a14="http://schemas.microsoft.com/office/drawing/2010/main" val="0"/>
+              </a:ext>
+            </a:extLst>
+          </a:blip>
+          <a:srcRect/>
+          <a:stretch>
+            <a:fillRect/>
+          </a:stretch>
+        </p:blipFill>
+        <p:spPr bwMode="auto">
+          <a:xfrm>
+            <a:off x="1219200" y="3225041"/>
+            <a:ext cx="9753600" cy="3190875"/>
+          </a:xfrm>
+          <a:prstGeom prst="rect">
+            <a:avLst/>
+          </a:prstGeom>
+          <a:noFill/>
+          <a:extLst>
+            <a:ext uri="{909E8E84-426E-40DD-AFC4-6F175D3DCCD1}">
+              <a14:hiddenFill xmlns:a14="http://schemas.microsoft.com/office/drawing/2010/main">
+                <a:solidFill>
+                  <a:srgbClr val="FFFFFF"/>
+                </a:solidFill>
+              </a14:hiddenFill>
+            </a:ext>
+          </a:extLst>
+        </p:spPr>
+      </p:pic>
+      <p:sp>
+        <p:nvSpPr>
+          <p:cNvPr id="2" name="タイトル 1">
+            <a:extLst>
+              <a:ext uri="{FF2B5EF4-FFF2-40B4-BE49-F238E27FC236}">
+                <a16:creationId xmlns:a16="http://schemas.microsoft.com/office/drawing/2014/main" id="{E5C66A40-4839-E92D-1E42-E01E65CF0724}"/>
+              </a:ext>
+            </a:extLst>
+          </p:cNvPr>
+          <p:cNvSpPr>
+            <a:spLocks noGrp="1"/>
+          </p:cNvSpPr>
+          <p:nvPr>
+            <p:ph type="title"/>
+          </p:nvPr>
+        </p:nvSpPr>
+        <p:spPr>
+          <a:xfrm>
+            <a:off x="838200" y="674861"/>
+            <a:ext cx="10515600" cy="706091"/>
+          </a:xfrm>
+        </p:spPr>
+        <p:txBody>
+          <a:bodyPr>
+            <a:spAutoFit/>
+          </a:bodyPr>
+          <a:lstStyle/>
+          <a:p>
+            <a:r>
+              <a:rPr lang="en-US" altLang="ja-JP" dirty="0"/>
+              <a:t>Git</a:t>
+            </a:r>
+            <a:r>
+              <a:rPr lang="ja-JP" altLang="en-US" dirty="0"/>
+              <a:t>概要</a:t>
+            </a:r>
+            <a:endParaRPr kumimoji="1" lang="ja-JP" altLang="en-US" dirty="0"/>
+          </a:p>
+        </p:txBody>
+      </p:sp>
+      <p:sp>
+        <p:nvSpPr>
+          <p:cNvPr id="3" name="コンテンツ プレースホルダー 2">
+            <a:extLst>
+              <a:ext uri="{FF2B5EF4-FFF2-40B4-BE49-F238E27FC236}">
+                <a16:creationId xmlns:a16="http://schemas.microsoft.com/office/drawing/2014/main" id="{9698C69F-7CF1-F9B7-80E3-A455C3B8C199}"/>
+              </a:ext>
+            </a:extLst>
+          </p:cNvPr>
+          <p:cNvSpPr>
+            <a:spLocks noGrp="1"/>
+          </p:cNvSpPr>
+          <p:nvPr>
+            <p:ph idx="1"/>
+          </p:nvPr>
+        </p:nvSpPr>
+        <p:spPr>
+          <a:xfrm>
+            <a:off x="838200" y="1368425"/>
+            <a:ext cx="10515600" cy="2360646"/>
+          </a:xfrm>
+        </p:spPr>
+        <p:txBody>
+          <a:bodyPr wrap="square">
+            <a:spAutoFit/>
+          </a:bodyPr>
+          <a:lstStyle/>
+          <a:p>
+            <a:r>
+              <a:rPr lang="ja-JP" altLang="en-US" sz="2400" b="0" i="0" dirty="0">
+                <a:solidFill>
+                  <a:srgbClr val="373845"/>
+                </a:solidFill>
+                <a:effectLst/>
+                <a:latin typeface="Arial" panose="020B0604020202020204" pitchFamily="34" charset="0"/>
+              </a:rPr>
+              <a:t>バージョン管理ツール</a:t>
+            </a:r>
+            <a:endParaRPr lang="en-US" altLang="ja-JP" sz="2400" b="0" i="0" dirty="0">
+              <a:solidFill>
+                <a:srgbClr val="373845"/>
+              </a:solidFill>
+              <a:effectLst/>
+              <a:latin typeface="Arial" panose="020B0604020202020204" pitchFamily="34" charset="0"/>
+            </a:endParaRPr>
+          </a:p>
+          <a:p>
+            <a:r>
+              <a:rPr lang="ja-JP" altLang="en-US" sz="2400" b="0" i="0" dirty="0">
+                <a:solidFill>
+                  <a:srgbClr val="373845"/>
+                </a:solidFill>
+                <a:effectLst/>
+                <a:latin typeface="Arial" panose="020B0604020202020204" pitchFamily="34" charset="0"/>
+              </a:rPr>
+              <a:t>通常であれば「報告書</a:t>
+            </a:r>
+            <a:r>
+              <a:rPr lang="en-US" altLang="ja-JP" sz="2400" b="0" i="0" dirty="0">
+                <a:solidFill>
+                  <a:srgbClr val="373845"/>
+                </a:solidFill>
+                <a:effectLst/>
+                <a:latin typeface="Arial" panose="020B0604020202020204" pitchFamily="34" charset="0"/>
+              </a:rPr>
+              <a:t>_</a:t>
+            </a:r>
+            <a:r>
+              <a:rPr lang="en-US" altLang="ja-JP" sz="2400" dirty="0">
+                <a:solidFill>
+                  <a:srgbClr val="373845"/>
+                </a:solidFill>
+                <a:latin typeface="Arial" panose="020B0604020202020204" pitchFamily="34" charset="0"/>
+              </a:rPr>
+              <a:t>2023xxxx</a:t>
+            </a:r>
+            <a:r>
+              <a:rPr lang="en-US" altLang="ja-JP" sz="2400" b="0" i="0" dirty="0">
+                <a:solidFill>
+                  <a:srgbClr val="373845"/>
+                </a:solidFill>
+                <a:effectLst/>
+                <a:latin typeface="Arial" panose="020B0604020202020204" pitchFamily="34" charset="0"/>
+              </a:rPr>
+              <a:t>. docx</a:t>
+            </a:r>
+            <a:r>
+              <a:rPr lang="ja-JP" altLang="en-US" sz="2400" b="0" i="0" dirty="0">
+                <a:solidFill>
+                  <a:srgbClr val="373845"/>
+                </a:solidFill>
+                <a:effectLst/>
+                <a:latin typeface="Arial" panose="020B0604020202020204" pitchFamily="34" charset="0"/>
+              </a:rPr>
+              <a:t>」</a:t>
+            </a:r>
+            <a:r>
+              <a:rPr lang="ja-JP" altLang="en-US" sz="2400" dirty="0">
+                <a:solidFill>
+                  <a:srgbClr val="373845"/>
+                </a:solidFill>
+                <a:latin typeface="Arial" panose="020B0604020202020204" pitchFamily="34" charset="0"/>
+              </a:rPr>
+              <a:t>を作成日ごとに保存する</a:t>
+            </a:r>
+            <a:endParaRPr lang="en-US" altLang="ja-JP" sz="2400" dirty="0">
+              <a:solidFill>
+                <a:srgbClr val="373845"/>
+              </a:solidFill>
+              <a:latin typeface="Arial" panose="020B0604020202020204" pitchFamily="34" charset="0"/>
+            </a:endParaRPr>
+          </a:p>
+          <a:p>
+            <a:r>
+              <a:rPr lang="ja-JP" altLang="en-US" sz="2400" dirty="0">
+                <a:solidFill>
+                  <a:srgbClr val="373845"/>
+                </a:solidFill>
+                <a:latin typeface="Arial" panose="020B0604020202020204" pitchFamily="34" charset="0"/>
+              </a:rPr>
+              <a:t>これをバージョン管理ツールで作成日ごとに</a:t>
+            </a:r>
+            <a:r>
+              <a:rPr lang="ja-JP" altLang="en-US" sz="2400" b="0" i="0" dirty="0">
+                <a:solidFill>
+                  <a:srgbClr val="373845"/>
+                </a:solidFill>
+                <a:effectLst/>
+                <a:latin typeface="Arial" panose="020B0604020202020204" pitchFamily="34" charset="0"/>
+              </a:rPr>
+              <a:t>「報告書</a:t>
+            </a:r>
+            <a:r>
+              <a:rPr lang="en-US" altLang="ja-JP" sz="2400" b="0" i="0" dirty="0">
+                <a:solidFill>
+                  <a:srgbClr val="373845"/>
+                </a:solidFill>
+                <a:effectLst/>
+                <a:latin typeface="Arial" panose="020B0604020202020204" pitchFamily="34" charset="0"/>
+              </a:rPr>
+              <a:t>. docx</a:t>
+            </a:r>
+            <a:r>
+              <a:rPr lang="ja-JP" altLang="en-US" sz="2400" b="0" i="0" dirty="0">
+                <a:solidFill>
+                  <a:srgbClr val="373845"/>
+                </a:solidFill>
+                <a:effectLst/>
+                <a:latin typeface="Arial" panose="020B0604020202020204" pitchFamily="34" charset="0"/>
+              </a:rPr>
+              <a:t>」を変更し、コミットすると見た目は「報告書</a:t>
+            </a:r>
+            <a:r>
+              <a:rPr lang="en-US" altLang="ja-JP" sz="2400" b="0" i="0" dirty="0">
+                <a:solidFill>
+                  <a:srgbClr val="373845"/>
+                </a:solidFill>
+                <a:effectLst/>
+                <a:latin typeface="Arial" panose="020B0604020202020204" pitchFamily="34" charset="0"/>
+              </a:rPr>
+              <a:t>. docx</a:t>
+            </a:r>
+            <a:r>
+              <a:rPr lang="ja-JP" altLang="en-US" sz="2400" b="0" i="0" dirty="0">
+                <a:solidFill>
+                  <a:srgbClr val="373845"/>
+                </a:solidFill>
+                <a:effectLst/>
+                <a:latin typeface="Arial" panose="020B0604020202020204" pitchFamily="34" charset="0"/>
+              </a:rPr>
+              <a:t>」のみになる</a:t>
+            </a:r>
+            <a:endParaRPr lang="en-US" altLang="ja-JP" sz="2400" b="0" i="0" dirty="0">
+              <a:solidFill>
+                <a:srgbClr val="373845"/>
+              </a:solidFill>
+              <a:effectLst/>
+              <a:latin typeface="Arial" panose="020B0604020202020204" pitchFamily="34" charset="0"/>
+            </a:endParaRPr>
+          </a:p>
+          <a:p>
+            <a:pPr lvl="1"/>
+            <a:r>
+              <a:rPr lang="ja-JP" altLang="en-US" sz="2000" dirty="0">
+                <a:solidFill>
+                  <a:srgbClr val="373845"/>
+                </a:solidFill>
+                <a:latin typeface="Arial" panose="020B0604020202020204" pitchFamily="34" charset="0"/>
+              </a:rPr>
+              <a:t>例：コミット</a:t>
+            </a:r>
+            <a:r>
+              <a:rPr lang="en-US" altLang="ja-JP" sz="2000" dirty="0">
+                <a:solidFill>
+                  <a:srgbClr val="373845"/>
+                </a:solidFill>
+                <a:latin typeface="Arial" panose="020B0604020202020204" pitchFamily="34" charset="0"/>
+              </a:rPr>
+              <a:t>A</a:t>
+            </a:r>
+            <a:r>
+              <a:rPr lang="ja-JP" altLang="en-US" sz="2000" dirty="0">
+                <a:solidFill>
+                  <a:srgbClr val="373845"/>
+                </a:solidFill>
+                <a:latin typeface="Arial" panose="020B0604020202020204" pitchFamily="34" charset="0"/>
+              </a:rPr>
+              <a:t>：</a:t>
+            </a:r>
+            <a:r>
+              <a:rPr lang="en-US" altLang="ja-JP" sz="2000" dirty="0">
+                <a:solidFill>
+                  <a:srgbClr val="373845"/>
+                </a:solidFill>
+                <a:latin typeface="Arial" panose="020B0604020202020204" pitchFamily="34" charset="0"/>
+              </a:rPr>
+              <a:t>20230101</a:t>
+            </a:r>
+            <a:r>
+              <a:rPr lang="ja-JP" altLang="en-US" sz="2000" dirty="0">
+                <a:solidFill>
+                  <a:srgbClr val="373845"/>
+                </a:solidFill>
+                <a:latin typeface="Arial" panose="020B0604020202020204" pitchFamily="34" charset="0"/>
+              </a:rPr>
+              <a:t>作成、コミット</a:t>
+            </a:r>
+            <a:r>
+              <a:rPr lang="en-US" altLang="ja-JP" sz="2000" dirty="0">
+                <a:solidFill>
+                  <a:srgbClr val="373845"/>
+                </a:solidFill>
+                <a:latin typeface="Arial" panose="020B0604020202020204" pitchFamily="34" charset="0"/>
+              </a:rPr>
+              <a:t>B</a:t>
+            </a:r>
+            <a:r>
+              <a:rPr lang="ja-JP" altLang="en-US" sz="2000" dirty="0">
+                <a:solidFill>
+                  <a:srgbClr val="373845"/>
+                </a:solidFill>
+                <a:latin typeface="Arial" panose="020B0604020202020204" pitchFamily="34" charset="0"/>
+              </a:rPr>
+              <a:t>：</a:t>
+            </a:r>
+            <a:r>
+              <a:rPr lang="en-US" altLang="ja-JP" sz="2000" dirty="0">
+                <a:solidFill>
+                  <a:srgbClr val="373845"/>
+                </a:solidFill>
+                <a:latin typeface="Arial" panose="020B0604020202020204" pitchFamily="34" charset="0"/>
+              </a:rPr>
+              <a:t>20230102</a:t>
+            </a:r>
+            <a:r>
+              <a:rPr lang="ja-JP" altLang="en-US" sz="2000" dirty="0">
+                <a:solidFill>
+                  <a:srgbClr val="373845"/>
+                </a:solidFill>
+                <a:latin typeface="Arial" panose="020B0604020202020204" pitchFamily="34" charset="0"/>
+              </a:rPr>
+              <a:t>作成</a:t>
+            </a:r>
+            <a:endParaRPr lang="en-US" altLang="ja-JP" sz="2000" dirty="0">
+              <a:solidFill>
+                <a:srgbClr val="373845"/>
+              </a:solidFill>
+              <a:latin typeface="Arial" panose="020B0604020202020204" pitchFamily="34" charset="0"/>
+            </a:endParaRPr>
+          </a:p>
+          <a:p>
+            <a:pPr marL="457200" lvl="1" indent="0">
+              <a:buNone/>
+            </a:pPr>
+            <a:r>
+              <a:rPr lang="ja-JP" altLang="en-US" sz="2000" dirty="0">
+                <a:solidFill>
+                  <a:srgbClr val="373845"/>
+                </a:solidFill>
+                <a:latin typeface="Arial" panose="020B0604020202020204" pitchFamily="34" charset="0"/>
+              </a:rPr>
+              <a:t>　　　コミット</a:t>
+            </a:r>
+            <a:r>
+              <a:rPr lang="en-US" altLang="ja-JP" sz="2000" dirty="0">
+                <a:solidFill>
+                  <a:srgbClr val="373845"/>
+                </a:solidFill>
+                <a:latin typeface="Arial" panose="020B0604020202020204" pitchFamily="34" charset="0"/>
+              </a:rPr>
+              <a:t>C</a:t>
+            </a:r>
+            <a:r>
+              <a:rPr lang="ja-JP" altLang="en-US" sz="2000" dirty="0">
+                <a:solidFill>
+                  <a:srgbClr val="373845"/>
+                </a:solidFill>
+                <a:latin typeface="Arial" panose="020B0604020202020204" pitchFamily="34" charset="0"/>
+              </a:rPr>
+              <a:t>：</a:t>
+            </a:r>
+            <a:r>
+              <a:rPr lang="en-US" altLang="ja-JP" sz="2000" dirty="0">
+                <a:solidFill>
+                  <a:srgbClr val="373845"/>
+                </a:solidFill>
+                <a:latin typeface="Arial" panose="020B0604020202020204" pitchFamily="34" charset="0"/>
+              </a:rPr>
+              <a:t>20230103</a:t>
+            </a:r>
+            <a:r>
+              <a:rPr lang="ja-JP" altLang="en-US" sz="2000" dirty="0">
+                <a:solidFill>
+                  <a:srgbClr val="373845"/>
+                </a:solidFill>
+                <a:latin typeface="Arial" panose="020B0604020202020204" pitchFamily="34" charset="0"/>
+              </a:rPr>
+              <a:t>作成、コミット</a:t>
+            </a:r>
+            <a:r>
+              <a:rPr lang="en-US" altLang="ja-JP" sz="2000" dirty="0">
+                <a:solidFill>
+                  <a:srgbClr val="373845"/>
+                </a:solidFill>
+                <a:latin typeface="Arial" panose="020B0604020202020204" pitchFamily="34" charset="0"/>
+              </a:rPr>
+              <a:t>D</a:t>
+            </a:r>
+            <a:r>
+              <a:rPr lang="ja-JP" altLang="en-US" sz="2000" dirty="0">
+                <a:solidFill>
+                  <a:srgbClr val="373845"/>
+                </a:solidFill>
+                <a:latin typeface="Arial" panose="020B0604020202020204" pitchFamily="34" charset="0"/>
+              </a:rPr>
+              <a:t>：</a:t>
+            </a:r>
+            <a:r>
+              <a:rPr lang="en-US" altLang="ja-JP" sz="2000" dirty="0">
+                <a:solidFill>
+                  <a:srgbClr val="373845"/>
+                </a:solidFill>
+                <a:latin typeface="Arial" panose="020B0604020202020204" pitchFamily="34" charset="0"/>
+              </a:rPr>
+              <a:t>20230105</a:t>
+            </a:r>
+            <a:r>
+              <a:rPr lang="ja-JP" altLang="en-US" sz="2000" dirty="0">
+                <a:solidFill>
+                  <a:srgbClr val="373845"/>
+                </a:solidFill>
+                <a:latin typeface="Arial" panose="020B0604020202020204" pitchFamily="34" charset="0"/>
+              </a:rPr>
+              <a:t>作成</a:t>
+            </a:r>
+            <a:endParaRPr lang="en-US" altLang="ja-JP" sz="2000" b="0" i="0" dirty="0">
+              <a:solidFill>
+                <a:srgbClr val="373845"/>
+              </a:solidFill>
+              <a:effectLst/>
+              <a:latin typeface="Arial" panose="020B0604020202020204" pitchFamily="34" charset="0"/>
+            </a:endParaRPr>
+          </a:p>
+        </p:txBody>
+      </p:sp>
+      <p:sp>
+        <p:nvSpPr>
+          <p:cNvPr id="5" name="テキスト ボックス 4">
+            <a:extLst>
+              <a:ext uri="{FF2B5EF4-FFF2-40B4-BE49-F238E27FC236}">
+                <a16:creationId xmlns:a16="http://schemas.microsoft.com/office/drawing/2014/main" id="{7F2BCA0A-6C55-B070-65F3-A302EBE4FC03}"/>
+              </a:ext>
+            </a:extLst>
+          </p:cNvPr>
+          <p:cNvSpPr txBox="1"/>
+          <p:nvPr/>
+        </p:nvSpPr>
+        <p:spPr>
+          <a:xfrm>
+            <a:off x="1219200" y="4343400"/>
+            <a:ext cx="1544012" cy="369332"/>
+          </a:xfrm>
+          <a:prstGeom prst="rect">
+            <a:avLst/>
+          </a:prstGeom>
+          <a:noFill/>
+        </p:spPr>
+        <p:txBody>
+          <a:bodyPr wrap="none" rtlCol="0">
+            <a:spAutoFit/>
+          </a:bodyPr>
+          <a:lstStyle/>
+          <a:p>
+            <a:r>
+              <a:rPr lang="ja-JP" altLang="en-US" sz="1800" b="1" i="0" dirty="0">
+                <a:solidFill>
+                  <a:srgbClr val="373845"/>
+                </a:solidFill>
+                <a:effectLst/>
+                <a:latin typeface="Arial" panose="020B0604020202020204" pitchFamily="34" charset="0"/>
+              </a:rPr>
+              <a:t>報告書</a:t>
+            </a:r>
+            <a:r>
+              <a:rPr lang="en-US" altLang="ja-JP" sz="1800" b="1" i="0" dirty="0">
+                <a:solidFill>
+                  <a:srgbClr val="373845"/>
+                </a:solidFill>
+                <a:effectLst/>
+                <a:latin typeface="Arial" panose="020B0604020202020204" pitchFamily="34" charset="0"/>
+              </a:rPr>
+              <a:t>. docx</a:t>
+            </a:r>
+            <a:endParaRPr kumimoji="1" lang="ja-JP" altLang="en-US" b="1" dirty="0"/>
+          </a:p>
+        </p:txBody>
+      </p:sp>
+    </p:spTree>
+    <p:extLst>
+      <p:ext uri="{BB962C8B-B14F-4D97-AF65-F5344CB8AC3E}">
+        <p14:creationId xmlns:p14="http://schemas.microsoft.com/office/powerpoint/2010/main" val="2670567044"/>
+      </p:ext>
+    </p:extLst>
+  </p:cSld>
+  <p:clrMapOvr>
+    <a:masterClrMapping/>
+  </p:clrMapOvr>
+</p:sld>
+</file>
+
+<file path=ppt/slides/slide3.xml><?xml version="1.0" encoding="utf-8"?>
+<p:sld xmlns:a="http://schemas.openxmlformats.org/drawingml/2006/main" xmlns:r="http://schemas.openxmlformats.org/officeDocument/2006/relationships" xmlns:p="http://schemas.openxmlformats.org/presentationml/2006/main">
+  <p:cSld>
+    <p:spTree>
+      <p:nvGrpSpPr>
+        <p:cNvPr id="1" name=""/>
+        <p:cNvGrpSpPr/>
+        <p:nvPr/>
+      </p:nvGrpSpPr>
+      <p:grpSpPr>
+        <a:xfrm>
+          <a:off x="0" y="0"/>
+          <a:ext cx="0" cy="0"/>
+          <a:chOff x="0" y="0"/>
+          <a:chExt cx="0" cy="0"/>
+        </a:xfrm>
+      </p:grpSpPr>
+      <p:sp>
+        <p:nvSpPr>
+          <p:cNvPr id="2" name="タイトル 1">
+            <a:extLst>
+              <a:ext uri="{FF2B5EF4-FFF2-40B4-BE49-F238E27FC236}">
+                <a16:creationId xmlns:a16="http://schemas.microsoft.com/office/drawing/2014/main" id="{C4B8A067-6C2E-4D33-66C2-DBA56D6046DD}"/>
+              </a:ext>
+            </a:extLst>
+          </p:cNvPr>
+          <p:cNvSpPr>
+            <a:spLocks noGrp="1"/>
+          </p:cNvSpPr>
+          <p:nvPr>
+            <p:ph type="title"/>
+          </p:nvPr>
+        </p:nvSpPr>
+        <p:spPr/>
+        <p:txBody>
+          <a:bodyPr/>
+          <a:lstStyle/>
+          <a:p>
+            <a:r>
+              <a:rPr lang="en-US" altLang="ja-JP" dirty="0"/>
+              <a:t>Git</a:t>
+            </a:r>
+            <a:r>
+              <a:rPr lang="ja-JP" altLang="en-US" dirty="0"/>
+              <a:t>概要</a:t>
+            </a:r>
+            <a:endParaRPr kumimoji="1" lang="ja-JP" altLang="en-US" dirty="0"/>
+          </a:p>
+        </p:txBody>
+      </p:sp>
+      <p:sp>
+        <p:nvSpPr>
+          <p:cNvPr id="3" name="コンテンツ プレースホルダー 2">
+            <a:extLst>
+              <a:ext uri="{FF2B5EF4-FFF2-40B4-BE49-F238E27FC236}">
+                <a16:creationId xmlns:a16="http://schemas.microsoft.com/office/drawing/2014/main" id="{1D3C5085-8292-A73F-BC9E-7ADDFF473DB5}"/>
+              </a:ext>
+            </a:extLst>
+          </p:cNvPr>
+          <p:cNvSpPr>
+            <a:spLocks noGrp="1"/>
+          </p:cNvSpPr>
+          <p:nvPr>
+            <p:ph idx="1"/>
+          </p:nvPr>
+        </p:nvSpPr>
+        <p:spPr/>
+        <p:txBody>
+          <a:bodyPr/>
+          <a:lstStyle/>
+          <a:p>
+            <a:r>
+              <a:rPr kumimoji="1" lang="ja-JP" altLang="en-US" dirty="0"/>
+              <a:t>個人で管理するローカルリポジトリ</a:t>
+            </a:r>
+            <a:endParaRPr kumimoji="1" lang="en-US" altLang="ja-JP" dirty="0"/>
+          </a:p>
+          <a:p>
+            <a:r>
+              <a:rPr kumimoji="1" lang="ja-JP" altLang="en-US" dirty="0"/>
+              <a:t>複数人で管理するリモートリポジトリ</a:t>
+            </a:r>
+          </a:p>
+        </p:txBody>
+      </p:sp>
+      <p:pic>
+        <p:nvPicPr>
+          <p:cNvPr id="4" name="Picture 2" descr="リモートリポジトリとローカルリポジトリについて">
+            <a:extLst>
+              <a:ext uri="{FF2B5EF4-FFF2-40B4-BE49-F238E27FC236}">
+                <a16:creationId xmlns:a16="http://schemas.microsoft.com/office/drawing/2014/main" id="{A5023970-5930-2788-77E0-6C7D68167CAD}"/>
+              </a:ext>
+            </a:extLst>
+          </p:cNvPr>
+          <p:cNvPicPr>
+            <a:picLocks noChangeAspect="1" noChangeArrowheads="1"/>
+          </p:cNvPicPr>
+          <p:nvPr/>
+        </p:nvPicPr>
+        <p:blipFill>
+          <a:blip r:embed="rId2">
+            <a:extLst>
+              <a:ext uri="{28A0092B-C50C-407E-A947-70E740481C1C}">
+                <a14:useLocalDpi xmlns:a14="http://schemas.microsoft.com/office/drawing/2010/main" val="0"/>
+              </a:ext>
+            </a:extLst>
+          </a:blip>
+          <a:srcRect/>
+          <a:stretch>
+            <a:fillRect/>
+          </a:stretch>
+        </p:blipFill>
+        <p:spPr bwMode="auto">
+          <a:xfrm>
+            <a:off x="3118961" y="3081591"/>
+            <a:ext cx="5954078" cy="3411284"/>
+          </a:xfrm>
+          <a:prstGeom prst="rect">
+            <a:avLst/>
+          </a:prstGeom>
+          <a:noFill/>
+          <a:extLst>
+            <a:ext uri="{909E8E84-426E-40DD-AFC4-6F175D3DCCD1}">
+              <a14:hiddenFill xmlns:a14="http://schemas.microsoft.com/office/drawing/2010/main">
+                <a:solidFill>
+                  <a:srgbClr val="FFFFFF"/>
+                </a:solidFill>
+              </a14:hiddenFill>
+            </a:ext>
+          </a:extLst>
+        </p:spPr>
+      </p:pic>
+    </p:spTree>
+    <p:extLst>
+      <p:ext uri="{BB962C8B-B14F-4D97-AF65-F5344CB8AC3E}">
+        <p14:creationId xmlns:p14="http://schemas.microsoft.com/office/powerpoint/2010/main" val="2423063234"/>
+      </p:ext>
+    </p:extLst>
+  </p:cSld>
+  <p:clrMapOvr>
+    <a:masterClrMapping/>
+  </p:clrMapOvr>
+</p:sld>
+</file>
+
 <file path=ppt/theme/theme1.xml><?xml version="1.0" encoding="utf-8"?>
 <a:theme xmlns:a="http://schemas.openxmlformats.org/drawingml/2006/main" name="Office テーマ">
   <a:themeElements>

--- a/Gti導入マニュアル.pptx
+++ b/Gti導入マニュアル.pptx
@@ -8,6 +8,7 @@
     <p:sldId id="256" r:id="rId2"/>
     <p:sldId id="257" r:id="rId3"/>
     <p:sldId id="258" r:id="rId4"/>
+    <p:sldId id="259" r:id="rId5"/>
   </p:sldIdLst>
   <p:sldSz cx="12192000" cy="6858000"/>
   <p:notesSz cx="6858000" cy="9144000"/>
@@ -3929,7 +3930,7 @@
         <p:spPr>
           <a:xfrm>
             <a:off x="838200" y="1368425"/>
-            <a:ext cx="10515600" cy="2360646"/>
+            <a:ext cx="10515600" cy="2821285"/>
           </a:xfrm>
         </p:spPr>
         <p:txBody>
@@ -3946,7 +3947,7 @@
                 <a:effectLst/>
                 <a:latin typeface="Arial" panose="020B0604020202020204" pitchFamily="34" charset="0"/>
               </a:rPr>
-              <a:t>バージョン管理ツール</a:t>
+              <a:t>分散型バージョン管理ツール</a:t>
             </a:r>
             <a:endParaRPr lang="en-US" altLang="ja-JP" sz="2400" b="0" i="0" dirty="0">
               <a:solidFill>
@@ -4082,6 +4083,15 @@
               </a:rPr>
               <a:t>」のみになる</a:t>
             </a:r>
+            <a:endParaRPr lang="en-US" altLang="ja-JP" sz="2400" b="0" i="0" dirty="0">
+              <a:solidFill>
+                <a:srgbClr val="373845"/>
+              </a:solidFill>
+              <a:effectLst/>
+              <a:latin typeface="Arial" panose="020B0604020202020204" pitchFamily="34" charset="0"/>
+            </a:endParaRPr>
+          </a:p>
+          <a:p>
             <a:endParaRPr lang="en-US" altLang="ja-JP" sz="2400" b="0" i="0" dirty="0">
               <a:solidFill>
                 <a:srgbClr val="373845"/>
@@ -4476,6 +4486,571 @@
     <p:extLst>
       <p:ext uri="{BB962C8B-B14F-4D97-AF65-F5344CB8AC3E}">
         <p14:creationId xmlns:p14="http://schemas.microsoft.com/office/powerpoint/2010/main" val="2423063234"/>
+      </p:ext>
+    </p:extLst>
+  </p:cSld>
+  <p:clrMapOvr>
+    <a:masterClrMapping/>
+  </p:clrMapOvr>
+</p:sld>
+</file>
+
+<file path=ppt/slides/slide4.xml><?xml version="1.0" encoding="utf-8"?>
+<p:sld xmlns:a="http://schemas.openxmlformats.org/drawingml/2006/main" xmlns:r="http://schemas.openxmlformats.org/officeDocument/2006/relationships" xmlns:p="http://schemas.openxmlformats.org/presentationml/2006/main">
+  <p:cSld>
+    <p:spTree>
+      <p:nvGrpSpPr>
+        <p:cNvPr id="1" name=""/>
+        <p:cNvGrpSpPr/>
+        <p:nvPr/>
+      </p:nvGrpSpPr>
+      <p:grpSpPr>
+        <a:xfrm>
+          <a:off x="0" y="0"/>
+          <a:ext cx="0" cy="0"/>
+          <a:chOff x="0" y="0"/>
+          <a:chExt cx="0" cy="0"/>
+        </a:xfrm>
+      </p:grpSpPr>
+      <p:sp>
+        <p:nvSpPr>
+          <p:cNvPr id="2" name="タイトル 1">
+            <a:extLst>
+              <a:ext uri="{FF2B5EF4-FFF2-40B4-BE49-F238E27FC236}">
+                <a16:creationId xmlns:a16="http://schemas.microsoft.com/office/drawing/2014/main" id="{8B31902E-0CB4-28D0-5AA6-EF217D045CB1}"/>
+              </a:ext>
+            </a:extLst>
+          </p:cNvPr>
+          <p:cNvSpPr>
+            <a:spLocks noGrp="1"/>
+          </p:cNvSpPr>
+          <p:nvPr>
+            <p:ph type="title"/>
+          </p:nvPr>
+        </p:nvSpPr>
+        <p:spPr/>
+        <p:txBody>
+          <a:bodyPr/>
+          <a:lstStyle/>
+          <a:p>
+            <a:r>
+              <a:rPr lang="en-US" altLang="ja-JP" dirty="0" err="1"/>
+              <a:t>Sourcetree</a:t>
+            </a:r>
+            <a:r>
+              <a:rPr lang="ja-JP" altLang="en-US" dirty="0"/>
+              <a:t>概要</a:t>
+            </a:r>
+            <a:endParaRPr kumimoji="1" lang="ja-JP" altLang="en-US" dirty="0"/>
+          </a:p>
+        </p:txBody>
+      </p:sp>
+      <p:sp>
+        <p:nvSpPr>
+          <p:cNvPr id="3" name="コンテンツ プレースホルダー 2">
+            <a:extLst>
+              <a:ext uri="{FF2B5EF4-FFF2-40B4-BE49-F238E27FC236}">
+                <a16:creationId xmlns:a16="http://schemas.microsoft.com/office/drawing/2014/main" id="{BC8320E7-B74A-1C48-9837-414CEEC88E3F}"/>
+              </a:ext>
+            </a:extLst>
+          </p:cNvPr>
+          <p:cNvSpPr>
+            <a:spLocks noGrp="1"/>
+          </p:cNvSpPr>
+          <p:nvPr>
+            <p:ph sz="half" idx="1"/>
+          </p:nvPr>
+        </p:nvSpPr>
+        <p:spPr/>
+        <p:txBody>
+          <a:bodyPr>
+            <a:spAutoFit/>
+          </a:bodyPr>
+          <a:lstStyle/>
+          <a:p>
+            <a:r>
+              <a:rPr lang="en-US" altLang="ja-JP" b="1" i="0" dirty="0">
+                <a:solidFill>
+                  <a:srgbClr val="000000"/>
+                </a:solidFill>
+                <a:effectLst/>
+                <a:latin typeface="游ゴシック Medium" panose="020B0500000000000000" pitchFamily="50" charset="-128"/>
+                <a:ea typeface="游ゴシック Medium" panose="020B0500000000000000" pitchFamily="50" charset="-128"/>
+              </a:rPr>
+              <a:t>Git</a:t>
+            </a:r>
+            <a:r>
+              <a:rPr lang="ja-JP" altLang="en-US" b="1" i="0" dirty="0">
+                <a:solidFill>
+                  <a:srgbClr val="000000"/>
+                </a:solidFill>
+                <a:effectLst/>
+                <a:latin typeface="游ゴシック Medium" panose="020B0500000000000000" pitchFamily="50" charset="-128"/>
+                <a:ea typeface="游ゴシック Medium" panose="020B0500000000000000" pitchFamily="50" charset="-128"/>
+              </a:rPr>
+              <a:t>の操作を効率的に扱う</a:t>
+            </a:r>
+            <a:r>
+              <a:rPr lang="en-US" altLang="ja-JP" b="1" i="0" dirty="0">
+                <a:solidFill>
+                  <a:srgbClr val="000000"/>
+                </a:solidFill>
+                <a:effectLst/>
+                <a:latin typeface="游ゴシック Medium" panose="020B0500000000000000" pitchFamily="50" charset="-128"/>
+                <a:ea typeface="游ゴシック Medium" panose="020B0500000000000000" pitchFamily="50" charset="-128"/>
+              </a:rPr>
+              <a:t>GUI</a:t>
+            </a:r>
+            <a:r>
+              <a:rPr lang="ja-JP" altLang="en-US" b="1" i="0" dirty="0">
+                <a:solidFill>
+                  <a:srgbClr val="000000"/>
+                </a:solidFill>
+                <a:effectLst/>
+                <a:latin typeface="游ゴシック Medium" panose="020B0500000000000000" pitchFamily="50" charset="-128"/>
+                <a:ea typeface="游ゴシック Medium" panose="020B0500000000000000" pitchFamily="50" charset="-128"/>
+              </a:rPr>
+              <a:t>で、</a:t>
+            </a:r>
+            <a:r>
+              <a:rPr lang="en-US" altLang="ja-JP" b="1" i="0" dirty="0">
+                <a:solidFill>
+                  <a:srgbClr val="000000"/>
+                </a:solidFill>
+                <a:effectLst/>
+                <a:latin typeface="游ゴシック Medium" panose="020B0500000000000000" pitchFamily="50" charset="-128"/>
+                <a:ea typeface="游ゴシック Medium" panose="020B0500000000000000" pitchFamily="50" charset="-128"/>
+              </a:rPr>
+              <a:t>GUI</a:t>
+            </a:r>
+            <a:r>
+              <a:rPr lang="ja-JP" altLang="en-US" b="1" i="0" dirty="0">
+                <a:solidFill>
+                  <a:srgbClr val="000000"/>
+                </a:solidFill>
+                <a:effectLst/>
+                <a:latin typeface="游ゴシック Medium" panose="020B0500000000000000" pitchFamily="50" charset="-128"/>
+                <a:ea typeface="游ゴシック Medium" panose="020B0500000000000000" pitchFamily="50" charset="-128"/>
+              </a:rPr>
+              <a:t>とはユーザー画面上で視覚的に操作ができる機能</a:t>
+            </a:r>
+            <a:endParaRPr kumimoji="1" lang="ja-JP" altLang="en-US" dirty="0"/>
+          </a:p>
+        </p:txBody>
+      </p:sp>
+      <p:pic>
+        <p:nvPicPr>
+          <p:cNvPr id="7" name="図 6">
+            <a:extLst>
+              <a:ext uri="{FF2B5EF4-FFF2-40B4-BE49-F238E27FC236}">
+                <a16:creationId xmlns:a16="http://schemas.microsoft.com/office/drawing/2014/main" id="{21FC7871-B98E-0A0A-465C-A45B56235115}"/>
+              </a:ext>
+            </a:extLst>
+          </p:cNvPr>
+          <p:cNvPicPr>
+            <a:picLocks noChangeAspect="1"/>
+          </p:cNvPicPr>
+          <p:nvPr/>
+        </p:nvPicPr>
+        <p:blipFill>
+          <a:blip r:embed="rId2"/>
+          <a:stretch>
+            <a:fillRect/>
+          </a:stretch>
+        </p:blipFill>
+        <p:spPr>
+          <a:xfrm>
+            <a:off x="6019800" y="2113870"/>
+            <a:ext cx="5317765" cy="936462"/>
+          </a:xfrm>
+          <a:prstGeom prst="rect">
+            <a:avLst/>
+          </a:prstGeom>
+        </p:spPr>
+      </p:pic>
+      <p:pic>
+        <p:nvPicPr>
+          <p:cNvPr id="10" name="図 9">
+            <a:extLst>
+              <a:ext uri="{FF2B5EF4-FFF2-40B4-BE49-F238E27FC236}">
+                <a16:creationId xmlns:a16="http://schemas.microsoft.com/office/drawing/2014/main" id="{D2CCED0C-AB01-D744-F7CA-94483B10128B}"/>
+              </a:ext>
+            </a:extLst>
+          </p:cNvPr>
+          <p:cNvPicPr>
+            <a:picLocks noChangeAspect="1"/>
+          </p:cNvPicPr>
+          <p:nvPr/>
+        </p:nvPicPr>
+        <p:blipFill>
+          <a:blip r:embed="rId3"/>
+          <a:stretch>
+            <a:fillRect/>
+          </a:stretch>
+        </p:blipFill>
+        <p:spPr>
+          <a:xfrm>
+            <a:off x="6019800" y="3613666"/>
+            <a:ext cx="6094857" cy="3154299"/>
+          </a:xfrm>
+          <a:prstGeom prst="rect">
+            <a:avLst/>
+          </a:prstGeom>
+        </p:spPr>
+      </p:pic>
+      <p:sp>
+        <p:nvSpPr>
+          <p:cNvPr id="12" name="テキスト ボックス 11">
+            <a:extLst>
+              <a:ext uri="{FF2B5EF4-FFF2-40B4-BE49-F238E27FC236}">
+                <a16:creationId xmlns:a16="http://schemas.microsoft.com/office/drawing/2014/main" id="{ABC3E832-DCFE-0070-93EE-CE8E10C40D3B}"/>
+              </a:ext>
+            </a:extLst>
+          </p:cNvPr>
+          <p:cNvSpPr txBox="1"/>
+          <p:nvPr/>
+        </p:nvSpPr>
+        <p:spPr>
+          <a:xfrm>
+            <a:off x="6019800" y="1794266"/>
+            <a:ext cx="2492990" cy="369332"/>
+          </a:xfrm>
+          <a:prstGeom prst="rect">
+            <a:avLst/>
+          </a:prstGeom>
+          <a:noFill/>
+        </p:spPr>
+        <p:txBody>
+          <a:bodyPr wrap="none" rtlCol="0">
+            <a:spAutoFit/>
+          </a:bodyPr>
+          <a:lstStyle/>
+          <a:p>
+            <a:r>
+              <a:rPr kumimoji="1" lang="ja-JP" altLang="en-US" b="1" dirty="0"/>
+              <a:t>エクスプローラー表示</a:t>
+            </a:r>
+          </a:p>
+        </p:txBody>
+      </p:sp>
+      <p:sp>
+        <p:nvSpPr>
+          <p:cNvPr id="13" name="テキスト ボックス 12">
+            <a:extLst>
+              <a:ext uri="{FF2B5EF4-FFF2-40B4-BE49-F238E27FC236}">
+                <a16:creationId xmlns:a16="http://schemas.microsoft.com/office/drawing/2014/main" id="{C588D085-4903-AB37-F04C-7B972FB317B6}"/>
+              </a:ext>
+            </a:extLst>
+          </p:cNvPr>
+          <p:cNvSpPr txBox="1"/>
+          <p:nvPr/>
+        </p:nvSpPr>
+        <p:spPr>
+          <a:xfrm>
+            <a:off x="6019800" y="3244334"/>
+            <a:ext cx="1880643" cy="369332"/>
+          </a:xfrm>
+          <a:prstGeom prst="rect">
+            <a:avLst/>
+          </a:prstGeom>
+          <a:noFill/>
+        </p:spPr>
+        <p:txBody>
+          <a:bodyPr wrap="none" rtlCol="0">
+            <a:spAutoFit/>
+          </a:bodyPr>
+          <a:lstStyle/>
+          <a:p>
+            <a:r>
+              <a:rPr kumimoji="1" lang="en-US" altLang="ja-JP" b="1" dirty="0" err="1"/>
+              <a:t>Sourcetree</a:t>
+            </a:r>
+            <a:r>
+              <a:rPr kumimoji="1" lang="ja-JP" altLang="en-US" b="1" dirty="0"/>
+              <a:t>表示</a:t>
+            </a:r>
+          </a:p>
+        </p:txBody>
+      </p:sp>
+      <p:sp>
+        <p:nvSpPr>
+          <p:cNvPr id="14" name="正方形/長方形 13">
+            <a:extLst>
+              <a:ext uri="{FF2B5EF4-FFF2-40B4-BE49-F238E27FC236}">
+                <a16:creationId xmlns:a16="http://schemas.microsoft.com/office/drawing/2014/main" id="{8820FCD4-DF3F-FA26-9A82-FBA499F21A54}"/>
+              </a:ext>
+            </a:extLst>
+          </p:cNvPr>
+          <p:cNvSpPr/>
+          <p:nvPr/>
+        </p:nvSpPr>
+        <p:spPr>
+          <a:xfrm>
+            <a:off x="7752522" y="4591878"/>
+            <a:ext cx="4362135" cy="369332"/>
+          </a:xfrm>
+          <a:prstGeom prst="rect">
+            <a:avLst/>
+          </a:prstGeom>
+          <a:noFill/>
+          <a:ln w="38100">
+            <a:solidFill>
+              <a:srgbClr val="FF0000"/>
+            </a:solidFill>
+          </a:ln>
+        </p:spPr>
+        <p:style>
+          <a:lnRef idx="2">
+            <a:schemeClr val="accent1">
+              <a:shade val="50000"/>
+            </a:schemeClr>
+          </a:lnRef>
+          <a:fillRef idx="1">
+            <a:schemeClr val="accent1"/>
+          </a:fillRef>
+          <a:effectRef idx="0">
+            <a:schemeClr val="accent1"/>
+          </a:effectRef>
+          <a:fontRef idx="minor">
+            <a:schemeClr val="lt1"/>
+          </a:fontRef>
+        </p:style>
+        <p:txBody>
+          <a:bodyPr rtlCol="0" anchor="ctr"/>
+          <a:lstStyle/>
+          <a:p>
+            <a:pPr algn="ctr"/>
+            <a:endParaRPr kumimoji="1" lang="ja-JP" altLang="en-US"/>
+          </a:p>
+        </p:txBody>
+      </p:sp>
+      <p:sp>
+        <p:nvSpPr>
+          <p:cNvPr id="15" name="正方形/長方形 14">
+            <a:extLst>
+              <a:ext uri="{FF2B5EF4-FFF2-40B4-BE49-F238E27FC236}">
+                <a16:creationId xmlns:a16="http://schemas.microsoft.com/office/drawing/2014/main" id="{AB0A81F9-071B-ADF8-D512-C92CBC4401BE}"/>
+              </a:ext>
+            </a:extLst>
+          </p:cNvPr>
+          <p:cNvSpPr/>
+          <p:nvPr/>
+        </p:nvSpPr>
+        <p:spPr>
+          <a:xfrm>
+            <a:off x="7752522" y="4956168"/>
+            <a:ext cx="4362135" cy="983254"/>
+          </a:xfrm>
+          <a:prstGeom prst="rect">
+            <a:avLst/>
+          </a:prstGeom>
+          <a:noFill/>
+          <a:ln w="38100">
+            <a:solidFill>
+              <a:srgbClr val="FF0000"/>
+            </a:solidFill>
+          </a:ln>
+        </p:spPr>
+        <p:style>
+          <a:lnRef idx="2">
+            <a:schemeClr val="accent1">
+              <a:shade val="50000"/>
+            </a:schemeClr>
+          </a:lnRef>
+          <a:fillRef idx="1">
+            <a:schemeClr val="accent1"/>
+          </a:fillRef>
+          <a:effectRef idx="0">
+            <a:schemeClr val="accent1"/>
+          </a:effectRef>
+          <a:fontRef idx="minor">
+            <a:schemeClr val="lt1"/>
+          </a:fontRef>
+        </p:style>
+        <p:txBody>
+          <a:bodyPr rtlCol="0" anchor="ctr"/>
+          <a:lstStyle/>
+          <a:p>
+            <a:pPr algn="ctr"/>
+            <a:endParaRPr kumimoji="1" lang="ja-JP" altLang="en-US"/>
+          </a:p>
+        </p:txBody>
+      </p:sp>
+      <p:sp>
+        <p:nvSpPr>
+          <p:cNvPr id="16" name="テキスト ボックス 15">
+            <a:extLst>
+              <a:ext uri="{FF2B5EF4-FFF2-40B4-BE49-F238E27FC236}">
+                <a16:creationId xmlns:a16="http://schemas.microsoft.com/office/drawing/2014/main" id="{5F6A63E8-CB88-82FF-AEC0-0A5E296C79EF}"/>
+              </a:ext>
+            </a:extLst>
+          </p:cNvPr>
+          <p:cNvSpPr txBox="1"/>
+          <p:nvPr/>
+        </p:nvSpPr>
+        <p:spPr>
+          <a:xfrm>
+            <a:off x="3233460" y="4302795"/>
+            <a:ext cx="2688557" cy="369332"/>
+          </a:xfrm>
+          <a:prstGeom prst="rect">
+            <a:avLst/>
+          </a:prstGeom>
+          <a:noFill/>
+        </p:spPr>
+        <p:txBody>
+          <a:bodyPr wrap="none" rtlCol="0">
+            <a:spAutoFit/>
+          </a:bodyPr>
+          <a:lstStyle/>
+          <a:p>
+            <a:r>
+              <a:rPr kumimoji="1" lang="en-US" altLang="ja-JP" b="1" dirty="0" err="1"/>
+              <a:t>Gti</a:t>
+            </a:r>
+            <a:r>
+              <a:rPr kumimoji="1" lang="ja-JP" altLang="en-US" b="1" dirty="0"/>
+              <a:t>導入マニュアル</a:t>
+            </a:r>
+            <a:r>
+              <a:rPr kumimoji="1" lang="en-US" altLang="ja-JP" b="1" dirty="0"/>
+              <a:t>.pptx</a:t>
+            </a:r>
+            <a:endParaRPr kumimoji="1" lang="ja-JP" altLang="en-US" b="1" dirty="0"/>
+          </a:p>
+        </p:txBody>
+      </p:sp>
+      <p:sp>
+        <p:nvSpPr>
+          <p:cNvPr id="17" name="テキスト ボックス 16">
+            <a:extLst>
+              <a:ext uri="{FF2B5EF4-FFF2-40B4-BE49-F238E27FC236}">
+                <a16:creationId xmlns:a16="http://schemas.microsoft.com/office/drawing/2014/main" id="{F8371F51-2A00-C6B4-D6D7-C34E2F361F0B}"/>
+              </a:ext>
+            </a:extLst>
+          </p:cNvPr>
+          <p:cNvSpPr txBox="1"/>
+          <p:nvPr/>
+        </p:nvSpPr>
+        <p:spPr>
+          <a:xfrm>
+            <a:off x="4103088" y="5055213"/>
+            <a:ext cx="949299" cy="369332"/>
+          </a:xfrm>
+          <a:prstGeom prst="rect">
+            <a:avLst/>
+          </a:prstGeom>
+          <a:noFill/>
+        </p:spPr>
+        <p:txBody>
+          <a:bodyPr wrap="none" rtlCol="0">
+            <a:spAutoFit/>
+          </a:bodyPr>
+          <a:lstStyle/>
+          <a:p>
+            <a:r>
+              <a:rPr kumimoji="1" lang="en-US" altLang="ja-JP" b="1" dirty="0"/>
+              <a:t>test.py</a:t>
+            </a:r>
+            <a:endParaRPr kumimoji="1" lang="ja-JP" altLang="en-US" b="1" dirty="0"/>
+          </a:p>
+        </p:txBody>
+      </p:sp>
+      <p:cxnSp>
+        <p:nvCxnSpPr>
+          <p:cNvPr id="19" name="直線矢印コネクタ 18">
+            <a:extLst>
+              <a:ext uri="{FF2B5EF4-FFF2-40B4-BE49-F238E27FC236}">
+                <a16:creationId xmlns:a16="http://schemas.microsoft.com/office/drawing/2014/main" id="{CEFD87A1-C83E-F2B6-EBFE-47CC9CFCD4E7}"/>
+              </a:ext>
+            </a:extLst>
+          </p:cNvPr>
+          <p:cNvCxnSpPr>
+            <a:stCxn id="16" idx="3"/>
+            <a:endCxn id="14" idx="1"/>
+          </p:cNvCxnSpPr>
+          <p:nvPr/>
+        </p:nvCxnSpPr>
+        <p:spPr>
+          <a:xfrm>
+            <a:off x="5922017" y="4487461"/>
+            <a:ext cx="1830505" cy="289083"/>
+          </a:xfrm>
+          <a:prstGeom prst="straightConnector1">
+            <a:avLst/>
+          </a:prstGeom>
+          <a:ln w="38100">
+            <a:solidFill>
+              <a:srgbClr val="FF0000"/>
+            </a:solidFill>
+            <a:tailEnd type="triangle"/>
+          </a:ln>
+        </p:spPr>
+        <p:style>
+          <a:lnRef idx="1">
+            <a:schemeClr val="accent2"/>
+          </a:lnRef>
+          <a:fillRef idx="0">
+            <a:schemeClr val="accent2"/>
+          </a:fillRef>
+          <a:effectRef idx="0">
+            <a:schemeClr val="accent2"/>
+          </a:effectRef>
+          <a:fontRef idx="minor">
+            <a:schemeClr val="tx1"/>
+          </a:fontRef>
+        </p:style>
+      </p:cxnSp>
+      <p:cxnSp>
+        <p:nvCxnSpPr>
+          <p:cNvPr id="20" name="直線矢印コネクタ 19">
+            <a:extLst>
+              <a:ext uri="{FF2B5EF4-FFF2-40B4-BE49-F238E27FC236}">
+                <a16:creationId xmlns:a16="http://schemas.microsoft.com/office/drawing/2014/main" id="{821DBA83-E82E-B169-04D1-C79814A1BE7F}"/>
+              </a:ext>
+            </a:extLst>
+          </p:cNvPr>
+          <p:cNvCxnSpPr>
+            <a:cxnSpLocks/>
+            <a:stCxn id="17" idx="3"/>
+            <a:endCxn id="15" idx="1"/>
+          </p:cNvCxnSpPr>
+          <p:nvPr/>
+        </p:nvCxnSpPr>
+        <p:spPr>
+          <a:xfrm>
+            <a:off x="5052387" y="5239879"/>
+            <a:ext cx="2700135" cy="207916"/>
+          </a:xfrm>
+          <a:prstGeom prst="straightConnector1">
+            <a:avLst/>
+          </a:prstGeom>
+          <a:ln w="38100">
+            <a:solidFill>
+              <a:srgbClr val="FF0000"/>
+            </a:solidFill>
+            <a:tailEnd type="triangle"/>
+          </a:ln>
+        </p:spPr>
+        <p:style>
+          <a:lnRef idx="1">
+            <a:schemeClr val="accent2"/>
+          </a:lnRef>
+          <a:fillRef idx="0">
+            <a:schemeClr val="accent2"/>
+          </a:fillRef>
+          <a:effectRef idx="0">
+            <a:schemeClr val="accent2"/>
+          </a:effectRef>
+          <a:fontRef idx="minor">
+            <a:schemeClr val="tx1"/>
+          </a:fontRef>
+        </p:style>
+      </p:cxnSp>
+    </p:spTree>
+    <p:extLst>
+      <p:ext uri="{BB962C8B-B14F-4D97-AF65-F5344CB8AC3E}">
+        <p14:creationId xmlns:p14="http://schemas.microsoft.com/office/powerpoint/2010/main" val="3060058627"/>
       </p:ext>
     </p:extLst>
   </p:cSld>

--- a/Gti導入マニュアル.pptx
+++ b/Gti導入マニュアル.pptx
@@ -9,6 +9,7 @@
     <p:sldId id="257" r:id="rId3"/>
     <p:sldId id="258" r:id="rId4"/>
     <p:sldId id="259" r:id="rId5"/>
+    <p:sldId id="260" r:id="rId6"/>
   </p:sldIdLst>
   <p:sldSz cx="12192000" cy="6858000"/>
   <p:notesSz cx="6858000" cy="9144000"/>
@@ -4430,7 +4431,7 @@
           <a:p>
             <a:r>
               <a:rPr kumimoji="1" lang="ja-JP" altLang="en-US" dirty="0"/>
-              <a:t>複数人で管理するリモートリポジトリ</a:t>
+              <a:t>ネットワーク上で複数人で管理するリモートリポジトリ</a:t>
             </a:r>
           </a:p>
         </p:txBody>
@@ -5051,6 +5052,300 @@
     <p:extLst>
       <p:ext uri="{BB962C8B-B14F-4D97-AF65-F5344CB8AC3E}">
         <p14:creationId xmlns:p14="http://schemas.microsoft.com/office/powerpoint/2010/main" val="3060058627"/>
+      </p:ext>
+    </p:extLst>
+  </p:cSld>
+  <p:clrMapOvr>
+    <a:masterClrMapping/>
+  </p:clrMapOvr>
+</p:sld>
+</file>
+
+<file path=ppt/slides/slide5.xml><?xml version="1.0" encoding="utf-8"?>
+<p:sld xmlns:a="http://schemas.openxmlformats.org/drawingml/2006/main" xmlns:r="http://schemas.openxmlformats.org/officeDocument/2006/relationships" xmlns:p="http://schemas.openxmlformats.org/presentationml/2006/main">
+  <p:cSld>
+    <p:spTree>
+      <p:nvGrpSpPr>
+        <p:cNvPr id="1" name=""/>
+        <p:cNvGrpSpPr/>
+        <p:nvPr/>
+      </p:nvGrpSpPr>
+      <p:grpSpPr>
+        <a:xfrm>
+          <a:off x="0" y="0"/>
+          <a:ext cx="0" cy="0"/>
+          <a:chOff x="0" y="0"/>
+          <a:chExt cx="0" cy="0"/>
+        </a:xfrm>
+      </p:grpSpPr>
+      <p:sp>
+        <p:nvSpPr>
+          <p:cNvPr id="5" name="タイトル 4">
+            <a:extLst>
+              <a:ext uri="{FF2B5EF4-FFF2-40B4-BE49-F238E27FC236}">
+                <a16:creationId xmlns:a16="http://schemas.microsoft.com/office/drawing/2014/main" id="{D7F46FD0-E78B-4EE9-CCC6-8CC36774419A}"/>
+              </a:ext>
+            </a:extLst>
+          </p:cNvPr>
+          <p:cNvSpPr>
+            <a:spLocks noGrp="1"/>
+          </p:cNvSpPr>
+          <p:nvPr>
+            <p:ph type="title"/>
+          </p:nvPr>
+        </p:nvSpPr>
+        <p:spPr/>
+        <p:txBody>
+          <a:bodyPr/>
+          <a:lstStyle/>
+          <a:p>
+            <a:r>
+              <a:rPr lang="en-US" altLang="ja-JP" dirty="0"/>
+              <a:t>GitHub</a:t>
+            </a:r>
+            <a:r>
+              <a:rPr lang="ja-JP" altLang="en-US" dirty="0"/>
+              <a:t>概要</a:t>
+            </a:r>
+          </a:p>
+        </p:txBody>
+      </p:sp>
+      <p:sp>
+        <p:nvSpPr>
+          <p:cNvPr id="6" name="コンテンツ プレースホルダー 5">
+            <a:extLst>
+              <a:ext uri="{FF2B5EF4-FFF2-40B4-BE49-F238E27FC236}">
+                <a16:creationId xmlns:a16="http://schemas.microsoft.com/office/drawing/2014/main" id="{4CF372A0-C565-E580-8E94-75BE972ECB6B}"/>
+              </a:ext>
+            </a:extLst>
+          </p:cNvPr>
+          <p:cNvSpPr>
+            <a:spLocks noGrp="1"/>
+          </p:cNvSpPr>
+          <p:nvPr>
+            <p:ph idx="1"/>
+          </p:nvPr>
+        </p:nvSpPr>
+        <p:spPr/>
+        <p:txBody>
+          <a:bodyPr/>
+          <a:lstStyle/>
+          <a:p>
+            <a:r>
+              <a:rPr lang="en-US" altLang="ja-JP" b="0" i="0" dirty="0">
+                <a:solidFill>
+                  <a:srgbClr val="000000"/>
+                </a:solidFill>
+                <a:effectLst/>
+                <a:latin typeface="FujitsuInfinityPro-Regular"/>
+              </a:rPr>
+              <a:t>Git</a:t>
+            </a:r>
+            <a:r>
+              <a:rPr lang="ja-JP" altLang="en-US" b="0" i="0" dirty="0">
+                <a:solidFill>
+                  <a:srgbClr val="000000"/>
+                </a:solidFill>
+                <a:effectLst/>
+                <a:latin typeface="FujitsuInfinityPro-Regular"/>
+              </a:rPr>
+              <a:t>をオンライン上で管理するウェブサービスであり、</a:t>
+            </a:r>
+            <a:endParaRPr lang="en-US" altLang="ja-JP" b="0" i="0" dirty="0">
+              <a:solidFill>
+                <a:srgbClr val="000000"/>
+              </a:solidFill>
+              <a:effectLst/>
+              <a:latin typeface="FujitsuInfinityPro-Regular"/>
+            </a:endParaRPr>
+          </a:p>
+          <a:p>
+            <a:pPr marL="0" indent="0">
+              <a:buNone/>
+            </a:pPr>
+            <a:r>
+              <a:rPr lang="ja-JP" altLang="en-US" dirty="0">
+                <a:solidFill>
+                  <a:srgbClr val="000000"/>
+                </a:solidFill>
+                <a:latin typeface="FujitsuInfinityPro-Regular"/>
+              </a:rPr>
+              <a:t>  </a:t>
+            </a:r>
+            <a:r>
+              <a:rPr lang="ja-JP" altLang="en-US" b="0" i="0" dirty="0">
+                <a:solidFill>
+                  <a:srgbClr val="000000"/>
+                </a:solidFill>
+                <a:effectLst/>
+                <a:latin typeface="FujitsuInfinityPro-Regular"/>
+              </a:rPr>
+              <a:t>リモートリポジトリの一種</a:t>
+            </a:r>
+            <a:endParaRPr lang="ja-JP" altLang="en-US" dirty="0"/>
+          </a:p>
+        </p:txBody>
+      </p:sp>
+      <p:grpSp>
+        <p:nvGrpSpPr>
+          <p:cNvPr id="10" name="グループ化 9">
+            <a:extLst>
+              <a:ext uri="{FF2B5EF4-FFF2-40B4-BE49-F238E27FC236}">
+                <a16:creationId xmlns:a16="http://schemas.microsoft.com/office/drawing/2014/main" id="{CC25EE9A-62F3-CCDC-8AFC-2617542AFD57}"/>
+              </a:ext>
+            </a:extLst>
+          </p:cNvPr>
+          <p:cNvGrpSpPr/>
+          <p:nvPr/>
+        </p:nvGrpSpPr>
+        <p:grpSpPr>
+          <a:xfrm>
+            <a:off x="3118961" y="2937372"/>
+            <a:ext cx="5954078" cy="3555503"/>
+            <a:chOff x="3118961" y="2937372"/>
+            <a:chExt cx="5954078" cy="3555503"/>
+          </a:xfrm>
+        </p:grpSpPr>
+        <p:pic>
+          <p:nvPicPr>
+            <p:cNvPr id="7" name="Picture 2" descr="リモートリポジトリとローカルリポジトリについて">
+              <a:extLst>
+                <a:ext uri="{FF2B5EF4-FFF2-40B4-BE49-F238E27FC236}">
+                  <a16:creationId xmlns:a16="http://schemas.microsoft.com/office/drawing/2014/main" id="{6669B9DA-A7C7-F218-E397-E8D25B2851A0}"/>
+                </a:ext>
+              </a:extLst>
+            </p:cNvPr>
+            <p:cNvPicPr>
+              <a:picLocks noChangeAspect="1" noChangeArrowheads="1"/>
+            </p:cNvPicPr>
+            <p:nvPr/>
+          </p:nvPicPr>
+          <p:blipFill>
+            <a:blip r:embed="rId2">
+              <a:extLst>
+                <a:ext uri="{28A0092B-C50C-407E-A947-70E740481C1C}">
+                  <a14:useLocalDpi xmlns:a14="http://schemas.microsoft.com/office/drawing/2010/main" val="0"/>
+                </a:ext>
+              </a:extLst>
+            </a:blip>
+            <a:srcRect/>
+            <a:stretch>
+              <a:fillRect/>
+            </a:stretch>
+          </p:blipFill>
+          <p:spPr bwMode="auto">
+            <a:xfrm>
+              <a:off x="3118961" y="3081591"/>
+              <a:ext cx="5954078" cy="3411284"/>
+            </a:xfrm>
+            <a:prstGeom prst="rect">
+              <a:avLst/>
+            </a:prstGeom>
+            <a:noFill/>
+            <a:extLst>
+              <a:ext uri="{909E8E84-426E-40DD-AFC4-6F175D3DCCD1}">
+                <a14:hiddenFill xmlns:a14="http://schemas.microsoft.com/office/drawing/2010/main">
+                  <a:solidFill>
+                    <a:srgbClr val="FFFFFF"/>
+                  </a:solidFill>
+                </a14:hiddenFill>
+              </a:ext>
+            </a:extLst>
+          </p:spPr>
+        </p:pic>
+        <p:sp>
+          <p:nvSpPr>
+            <p:cNvPr id="8" name="正方形/長方形 7">
+              <a:extLst>
+                <a:ext uri="{FF2B5EF4-FFF2-40B4-BE49-F238E27FC236}">
+                  <a16:creationId xmlns:a16="http://schemas.microsoft.com/office/drawing/2014/main" id="{BE2427EC-D102-5987-2397-04ABB3698D22}"/>
+                </a:ext>
+              </a:extLst>
+            </p:cNvPr>
+            <p:cNvSpPr/>
+            <p:nvPr/>
+          </p:nvSpPr>
+          <p:spPr>
+            <a:xfrm>
+              <a:off x="5141297" y="2937372"/>
+              <a:ext cx="1957087" cy="1606347"/>
+            </a:xfrm>
+            <a:prstGeom prst="rect">
+              <a:avLst/>
+            </a:prstGeom>
+            <a:noFill/>
+            <a:ln w="38100">
+              <a:solidFill>
+                <a:srgbClr val="FF0000"/>
+              </a:solidFill>
+            </a:ln>
+          </p:spPr>
+          <p:style>
+            <a:lnRef idx="2">
+              <a:schemeClr val="accent1">
+                <a:shade val="50000"/>
+              </a:schemeClr>
+            </a:lnRef>
+            <a:fillRef idx="1">
+              <a:schemeClr val="accent1"/>
+            </a:fillRef>
+            <a:effectRef idx="0">
+              <a:schemeClr val="accent1"/>
+            </a:effectRef>
+            <a:fontRef idx="minor">
+              <a:schemeClr val="lt1"/>
+            </a:fontRef>
+          </p:style>
+          <p:txBody>
+            <a:bodyPr rtlCol="0" anchor="ctr"/>
+            <a:lstStyle/>
+            <a:p>
+              <a:pPr algn="ctr"/>
+              <a:endParaRPr kumimoji="1" lang="ja-JP" altLang="en-US"/>
+            </a:p>
+          </p:txBody>
+        </p:sp>
+      </p:grpSp>
+      <p:sp>
+        <p:nvSpPr>
+          <p:cNvPr id="9" name="テキスト ボックス 8">
+            <a:extLst>
+              <a:ext uri="{FF2B5EF4-FFF2-40B4-BE49-F238E27FC236}">
+                <a16:creationId xmlns:a16="http://schemas.microsoft.com/office/drawing/2014/main" id="{9AB8B440-305E-B987-BDBE-AB2658158ED4}"/>
+              </a:ext>
+            </a:extLst>
+          </p:cNvPr>
+          <p:cNvSpPr txBox="1"/>
+          <p:nvPr/>
+        </p:nvSpPr>
+        <p:spPr>
+          <a:xfrm>
+            <a:off x="3206336" y="3331012"/>
+            <a:ext cx="1847587" cy="646331"/>
+          </a:xfrm>
+          <a:prstGeom prst="rect">
+            <a:avLst/>
+          </a:prstGeom>
+          <a:noFill/>
+        </p:spPr>
+        <p:txBody>
+          <a:bodyPr wrap="square" rtlCol="0">
+            <a:spAutoFit/>
+          </a:bodyPr>
+          <a:lstStyle/>
+          <a:p>
+            <a:r>
+              <a:rPr kumimoji="1" lang="en-US" altLang="ja-JP" sz="3600" b="1" dirty="0" err="1"/>
+              <a:t>GtiHub</a:t>
+            </a:r>
+            <a:endParaRPr kumimoji="1" lang="ja-JP" altLang="en-US" sz="3600" b="1" dirty="0"/>
+          </a:p>
+        </p:txBody>
+      </p:sp>
+    </p:spTree>
+    <p:extLst>
+      <p:ext uri="{BB962C8B-B14F-4D97-AF65-F5344CB8AC3E}">
+        <p14:creationId xmlns:p14="http://schemas.microsoft.com/office/powerpoint/2010/main" val="3535370919"/>
       </p:ext>
     </p:extLst>
   </p:cSld>

--- a/Gti導入マニュアル.pptx
+++ b/Gti導入マニュアル.pptx
@@ -10,6 +10,17 @@
     <p:sldId id="258" r:id="rId4"/>
     <p:sldId id="259" r:id="rId5"/>
     <p:sldId id="260" r:id="rId6"/>
+    <p:sldId id="261" r:id="rId7"/>
+    <p:sldId id="262" r:id="rId8"/>
+    <p:sldId id="263" r:id="rId9"/>
+    <p:sldId id="264" r:id="rId10"/>
+    <p:sldId id="265" r:id="rId11"/>
+    <p:sldId id="266" r:id="rId12"/>
+    <p:sldId id="267" r:id="rId13"/>
+    <p:sldId id="268" r:id="rId14"/>
+    <p:sldId id="269" r:id="rId15"/>
+    <p:sldId id="271" r:id="rId16"/>
+    <p:sldId id="270" r:id="rId17"/>
   </p:sldIdLst>
   <p:sldSz cx="12192000" cy="6858000"/>
   <p:notesSz cx="6858000" cy="9144000"/>
@@ -3808,7 +3819,7 @@
 </p:sld>
 </file>
 
-<file path=ppt/slides/slide2.xml><?xml version="1.0" encoding="utf-8"?>
+<file path=ppt/slides/slide10.xml><?xml version="1.0" encoding="utf-8"?>
 <p:sld xmlns:a="http://schemas.openxmlformats.org/drawingml/2006/main" xmlns:r="http://schemas.openxmlformats.org/officeDocument/2006/relationships" xmlns:p="http://schemas.openxmlformats.org/presentationml/2006/main">
   <p:cSld>
     <p:spTree>
@@ -3827,17 +3838,19 @@
       </p:grpSpPr>
       <p:pic>
         <p:nvPicPr>
-          <p:cNvPr id="1028" name="Picture 4">
-            <a:extLst>
-              <a:ext uri="{FF2B5EF4-FFF2-40B4-BE49-F238E27FC236}">
-                <a16:creationId xmlns:a16="http://schemas.microsoft.com/office/drawing/2014/main" id="{908F1874-6C84-977A-3D38-247EF2FBEEA0}"/>
+          <p:cNvPr id="1026" name="Picture 2">
+            <a:extLst>
+              <a:ext uri="{FF2B5EF4-FFF2-40B4-BE49-F238E27FC236}">
+                <a16:creationId xmlns:a16="http://schemas.microsoft.com/office/drawing/2014/main" id="{CF001436-2F8C-28B0-8106-3FA663363F46}"/>
               </a:ext>
             </a:extLst>
           </p:cNvPr>
           <p:cNvPicPr>
-            <a:picLocks noChangeAspect="1" noChangeArrowheads="1"/>
+            <a:picLocks noGrp="1" noChangeAspect="1" noChangeArrowheads="1"/>
           </p:cNvPicPr>
-          <p:nvPr/>
+          <p:nvPr>
+            <p:ph idx="4294967295"/>
+          </p:nvPr>
         </p:nvPicPr>
         <p:blipFill>
           <a:blip r:embed="rId2">
@@ -3854,8 +3867,8 @@
         </p:blipFill>
         <p:spPr bwMode="auto">
           <a:xfrm>
-            <a:off x="1219200" y="3225041"/>
-            <a:ext cx="9753600" cy="3190875"/>
+            <a:off x="3606800" y="484188"/>
+            <a:ext cx="8585200" cy="5721350"/>
           </a:xfrm>
           <a:prstGeom prst="rect">
             <a:avLst/>
@@ -3872,6 +3885,533 @@
           </a:extLst>
         </p:spPr>
       </p:pic>
+    </p:spTree>
+    <p:extLst>
+      <p:ext uri="{BB962C8B-B14F-4D97-AF65-F5344CB8AC3E}">
+        <p14:creationId xmlns:p14="http://schemas.microsoft.com/office/powerpoint/2010/main" val="2171622272"/>
+      </p:ext>
+    </p:extLst>
+  </p:cSld>
+  <p:clrMapOvr>
+    <a:masterClrMapping/>
+  </p:clrMapOvr>
+</p:sld>
+</file>
+
+<file path=ppt/slides/slide11.xml><?xml version="1.0" encoding="utf-8"?>
+<p:sld xmlns:a="http://schemas.openxmlformats.org/drawingml/2006/main" xmlns:r="http://schemas.openxmlformats.org/officeDocument/2006/relationships" xmlns:p="http://schemas.openxmlformats.org/presentationml/2006/main">
+  <p:cSld>
+    <p:spTree>
+      <p:nvGrpSpPr>
+        <p:cNvPr id="1" name=""/>
+        <p:cNvGrpSpPr/>
+        <p:nvPr/>
+      </p:nvGrpSpPr>
+      <p:grpSpPr>
+        <a:xfrm>
+          <a:off x="0" y="0"/>
+          <a:ext cx="0" cy="0"/>
+          <a:chOff x="0" y="0"/>
+          <a:chExt cx="0" cy="0"/>
+        </a:xfrm>
+      </p:grpSpPr>
+      <p:pic>
+        <p:nvPicPr>
+          <p:cNvPr id="2050" name="Picture 2">
+            <a:extLst>
+              <a:ext uri="{FF2B5EF4-FFF2-40B4-BE49-F238E27FC236}">
+                <a16:creationId xmlns:a16="http://schemas.microsoft.com/office/drawing/2014/main" id="{8F6FD918-8361-4065-8143-26FC6F41DEE9}"/>
+              </a:ext>
+            </a:extLst>
+          </p:cNvPr>
+          <p:cNvPicPr>
+            <a:picLocks noChangeAspect="1" noChangeArrowheads="1"/>
+          </p:cNvPicPr>
+          <p:nvPr/>
+        </p:nvPicPr>
+        <p:blipFill>
+          <a:blip r:embed="rId2">
+            <a:extLst>
+              <a:ext uri="{28A0092B-C50C-407E-A947-70E740481C1C}">
+                <a14:useLocalDpi xmlns:a14="http://schemas.microsoft.com/office/drawing/2010/main" val="0"/>
+              </a:ext>
+            </a:extLst>
+          </a:blip>
+          <a:srcRect/>
+          <a:stretch>
+            <a:fillRect/>
+          </a:stretch>
+        </p:blipFill>
+        <p:spPr bwMode="auto">
+          <a:xfrm>
+            <a:off x="1807368" y="777875"/>
+            <a:ext cx="8577263" cy="5715000"/>
+          </a:xfrm>
+          <a:prstGeom prst="rect">
+            <a:avLst/>
+          </a:prstGeom>
+          <a:noFill/>
+          <a:extLst>
+            <a:ext uri="{909E8E84-426E-40DD-AFC4-6F175D3DCCD1}">
+              <a14:hiddenFill xmlns:a14="http://schemas.microsoft.com/office/drawing/2010/main">
+                <a:solidFill>
+                  <a:srgbClr val="FFFFFF"/>
+                </a:solidFill>
+              </a14:hiddenFill>
+            </a:ext>
+          </a:extLst>
+        </p:spPr>
+      </p:pic>
+    </p:spTree>
+    <p:extLst>
+      <p:ext uri="{BB962C8B-B14F-4D97-AF65-F5344CB8AC3E}">
+        <p14:creationId xmlns:p14="http://schemas.microsoft.com/office/powerpoint/2010/main" val="3027733619"/>
+      </p:ext>
+    </p:extLst>
+  </p:cSld>
+  <p:clrMapOvr>
+    <a:masterClrMapping/>
+  </p:clrMapOvr>
+</p:sld>
+</file>
+
+<file path=ppt/slides/slide12.xml><?xml version="1.0" encoding="utf-8"?>
+<p:sld xmlns:a="http://schemas.openxmlformats.org/drawingml/2006/main" xmlns:r="http://schemas.openxmlformats.org/officeDocument/2006/relationships" xmlns:p="http://schemas.openxmlformats.org/presentationml/2006/main">
+  <p:cSld>
+    <p:spTree>
+      <p:nvGrpSpPr>
+        <p:cNvPr id="1" name=""/>
+        <p:cNvGrpSpPr/>
+        <p:nvPr/>
+      </p:nvGrpSpPr>
+      <p:grpSpPr>
+        <a:xfrm>
+          <a:off x="0" y="0"/>
+          <a:ext cx="0" cy="0"/>
+          <a:chOff x="0" y="0"/>
+          <a:chExt cx="0" cy="0"/>
+        </a:xfrm>
+      </p:grpSpPr>
+      <p:pic>
+        <p:nvPicPr>
+          <p:cNvPr id="3" name="図 2">
+            <a:extLst>
+              <a:ext uri="{FF2B5EF4-FFF2-40B4-BE49-F238E27FC236}">
+                <a16:creationId xmlns:a16="http://schemas.microsoft.com/office/drawing/2014/main" id="{7051708E-4DDD-8F81-5254-9AD1EAECCCFB}"/>
+              </a:ext>
+            </a:extLst>
+          </p:cNvPr>
+          <p:cNvPicPr>
+            <a:picLocks noChangeAspect="1"/>
+          </p:cNvPicPr>
+          <p:nvPr/>
+        </p:nvPicPr>
+        <p:blipFill>
+          <a:blip r:embed="rId2"/>
+          <a:stretch>
+            <a:fillRect/>
+          </a:stretch>
+        </p:blipFill>
+        <p:spPr>
+          <a:xfrm>
+            <a:off x="3533775" y="1223962"/>
+            <a:ext cx="5124450" cy="4410075"/>
+          </a:xfrm>
+          <a:prstGeom prst="rect">
+            <a:avLst/>
+          </a:prstGeom>
+        </p:spPr>
+      </p:pic>
+    </p:spTree>
+    <p:extLst>
+      <p:ext uri="{BB962C8B-B14F-4D97-AF65-F5344CB8AC3E}">
+        <p14:creationId xmlns:p14="http://schemas.microsoft.com/office/powerpoint/2010/main" val="2452522179"/>
+      </p:ext>
+    </p:extLst>
+  </p:cSld>
+  <p:clrMapOvr>
+    <a:masterClrMapping/>
+  </p:clrMapOvr>
+</p:sld>
+</file>
+
+<file path=ppt/slides/slide13.xml><?xml version="1.0" encoding="utf-8"?>
+<p:sld xmlns:a="http://schemas.openxmlformats.org/drawingml/2006/main" xmlns:r="http://schemas.openxmlformats.org/officeDocument/2006/relationships" xmlns:p="http://schemas.openxmlformats.org/presentationml/2006/main">
+  <p:cSld>
+    <p:spTree>
+      <p:nvGrpSpPr>
+        <p:cNvPr id="1" name=""/>
+        <p:cNvGrpSpPr/>
+        <p:nvPr/>
+      </p:nvGrpSpPr>
+      <p:grpSpPr>
+        <a:xfrm>
+          <a:off x="0" y="0"/>
+          <a:ext cx="0" cy="0"/>
+          <a:chOff x="0" y="0"/>
+          <a:chExt cx="0" cy="0"/>
+        </a:xfrm>
+      </p:grpSpPr>
+      <p:pic>
+        <p:nvPicPr>
+          <p:cNvPr id="3" name="図 2">
+            <a:extLst>
+              <a:ext uri="{FF2B5EF4-FFF2-40B4-BE49-F238E27FC236}">
+                <a16:creationId xmlns:a16="http://schemas.microsoft.com/office/drawing/2014/main" id="{906B741C-C231-27D2-4F47-5FC12580FF6C}"/>
+              </a:ext>
+            </a:extLst>
+          </p:cNvPr>
+          <p:cNvPicPr>
+            <a:picLocks noChangeAspect="1"/>
+          </p:cNvPicPr>
+          <p:nvPr/>
+        </p:nvPicPr>
+        <p:blipFill>
+          <a:blip r:embed="rId2"/>
+          <a:stretch>
+            <a:fillRect/>
+          </a:stretch>
+        </p:blipFill>
+        <p:spPr>
+          <a:xfrm>
+            <a:off x="2205228" y="0"/>
+            <a:ext cx="7781544" cy="6858000"/>
+          </a:xfrm>
+          <a:prstGeom prst="rect">
+            <a:avLst/>
+          </a:prstGeom>
+        </p:spPr>
+      </p:pic>
+    </p:spTree>
+    <p:extLst>
+      <p:ext uri="{BB962C8B-B14F-4D97-AF65-F5344CB8AC3E}">
+        <p14:creationId xmlns:p14="http://schemas.microsoft.com/office/powerpoint/2010/main" val="3474052345"/>
+      </p:ext>
+    </p:extLst>
+  </p:cSld>
+  <p:clrMapOvr>
+    <a:masterClrMapping/>
+  </p:clrMapOvr>
+</p:sld>
+</file>
+
+<file path=ppt/slides/slide14.xml><?xml version="1.0" encoding="utf-8"?>
+<p:sld xmlns:a="http://schemas.openxmlformats.org/drawingml/2006/main" xmlns:r="http://schemas.openxmlformats.org/officeDocument/2006/relationships" xmlns:p="http://schemas.openxmlformats.org/presentationml/2006/main">
+  <p:cSld>
+    <p:spTree>
+      <p:nvGrpSpPr>
+        <p:cNvPr id="1" name=""/>
+        <p:cNvGrpSpPr/>
+        <p:nvPr/>
+      </p:nvGrpSpPr>
+      <p:grpSpPr>
+        <a:xfrm>
+          <a:off x="0" y="0"/>
+          <a:ext cx="0" cy="0"/>
+          <a:chOff x="0" y="0"/>
+          <a:chExt cx="0" cy="0"/>
+        </a:xfrm>
+      </p:grpSpPr>
+      <p:pic>
+        <p:nvPicPr>
+          <p:cNvPr id="3" name="図 2">
+            <a:extLst>
+              <a:ext uri="{FF2B5EF4-FFF2-40B4-BE49-F238E27FC236}">
+                <a16:creationId xmlns:a16="http://schemas.microsoft.com/office/drawing/2014/main" id="{91B84361-5DA1-F4E2-1F0A-44DE720A80E5}"/>
+              </a:ext>
+            </a:extLst>
+          </p:cNvPr>
+          <p:cNvPicPr>
+            <a:picLocks noChangeAspect="1"/>
+          </p:cNvPicPr>
+          <p:nvPr/>
+        </p:nvPicPr>
+        <p:blipFill>
+          <a:blip r:embed="rId2"/>
+          <a:stretch>
+            <a:fillRect/>
+          </a:stretch>
+        </p:blipFill>
+        <p:spPr>
+          <a:xfrm>
+            <a:off x="3533775" y="1223962"/>
+            <a:ext cx="5124450" cy="4410075"/>
+          </a:xfrm>
+          <a:prstGeom prst="rect">
+            <a:avLst/>
+          </a:prstGeom>
+        </p:spPr>
+      </p:pic>
+    </p:spTree>
+    <p:extLst>
+      <p:ext uri="{BB962C8B-B14F-4D97-AF65-F5344CB8AC3E}">
+        <p14:creationId xmlns:p14="http://schemas.microsoft.com/office/powerpoint/2010/main" val="2896382645"/>
+      </p:ext>
+    </p:extLst>
+  </p:cSld>
+  <p:clrMapOvr>
+    <a:masterClrMapping/>
+  </p:clrMapOvr>
+</p:sld>
+</file>
+
+<file path=ppt/slides/slide15.xml><?xml version="1.0" encoding="utf-8"?>
+<p:sld xmlns:a="http://schemas.openxmlformats.org/drawingml/2006/main" xmlns:r="http://schemas.openxmlformats.org/officeDocument/2006/relationships" xmlns:p="http://schemas.openxmlformats.org/presentationml/2006/main">
+  <p:cSld>
+    <p:spTree>
+      <p:nvGrpSpPr>
+        <p:cNvPr id="1" name=""/>
+        <p:cNvGrpSpPr/>
+        <p:nvPr/>
+      </p:nvGrpSpPr>
+      <p:grpSpPr>
+        <a:xfrm>
+          <a:off x="0" y="0"/>
+          <a:ext cx="0" cy="0"/>
+          <a:chOff x="0" y="0"/>
+          <a:chExt cx="0" cy="0"/>
+        </a:xfrm>
+      </p:grpSpPr>
+      <p:pic>
+        <p:nvPicPr>
+          <p:cNvPr id="3" name="図 2">
+            <a:extLst>
+              <a:ext uri="{FF2B5EF4-FFF2-40B4-BE49-F238E27FC236}">
+                <a16:creationId xmlns:a16="http://schemas.microsoft.com/office/drawing/2014/main" id="{6A3F6CE3-928E-02F8-1219-312ACD082B7A}"/>
+              </a:ext>
+            </a:extLst>
+          </p:cNvPr>
+          <p:cNvPicPr>
+            <a:picLocks noChangeAspect="1"/>
+          </p:cNvPicPr>
+          <p:nvPr/>
+        </p:nvPicPr>
+        <p:blipFill>
+          <a:blip r:embed="rId2"/>
+          <a:stretch>
+            <a:fillRect/>
+          </a:stretch>
+        </p:blipFill>
+        <p:spPr>
+          <a:xfrm>
+            <a:off x="4295488" y="0"/>
+            <a:ext cx="3601023" cy="6858000"/>
+          </a:xfrm>
+          <a:prstGeom prst="rect">
+            <a:avLst/>
+          </a:prstGeom>
+        </p:spPr>
+      </p:pic>
+    </p:spTree>
+    <p:extLst>
+      <p:ext uri="{BB962C8B-B14F-4D97-AF65-F5344CB8AC3E}">
+        <p14:creationId xmlns:p14="http://schemas.microsoft.com/office/powerpoint/2010/main" val="3639017078"/>
+      </p:ext>
+    </p:extLst>
+  </p:cSld>
+  <p:clrMapOvr>
+    <a:masterClrMapping/>
+  </p:clrMapOvr>
+</p:sld>
+</file>
+
+<file path=ppt/slides/slide16.xml><?xml version="1.0" encoding="utf-8"?>
+<p:sld xmlns:a="http://schemas.openxmlformats.org/drawingml/2006/main" xmlns:r="http://schemas.openxmlformats.org/officeDocument/2006/relationships" xmlns:p="http://schemas.openxmlformats.org/presentationml/2006/main">
+  <p:cSld>
+    <p:spTree>
+      <p:nvGrpSpPr>
+        <p:cNvPr id="1" name=""/>
+        <p:cNvGrpSpPr/>
+        <p:nvPr/>
+      </p:nvGrpSpPr>
+      <p:grpSpPr>
+        <a:xfrm>
+          <a:off x="0" y="0"/>
+          <a:ext cx="0" cy="0"/>
+          <a:chOff x="0" y="0"/>
+          <a:chExt cx="0" cy="0"/>
+        </a:xfrm>
+      </p:grpSpPr>
+      <p:pic>
+        <p:nvPicPr>
+          <p:cNvPr id="5" name="図 4">
+            <a:extLst>
+              <a:ext uri="{FF2B5EF4-FFF2-40B4-BE49-F238E27FC236}">
+                <a16:creationId xmlns:a16="http://schemas.microsoft.com/office/drawing/2014/main" id="{106F4A56-859F-2B19-A714-E7205CC6BA96}"/>
+              </a:ext>
+            </a:extLst>
+          </p:cNvPr>
+          <p:cNvPicPr>
+            <a:picLocks noChangeAspect="1"/>
+          </p:cNvPicPr>
+          <p:nvPr/>
+        </p:nvPicPr>
+        <p:blipFill>
+          <a:blip r:embed="rId2"/>
+          <a:stretch>
+            <a:fillRect/>
+          </a:stretch>
+        </p:blipFill>
+        <p:spPr>
+          <a:xfrm>
+            <a:off x="0" y="806102"/>
+            <a:ext cx="12192000" cy="5809999"/>
+          </a:xfrm>
+          <a:prstGeom prst="rect">
+            <a:avLst/>
+          </a:prstGeom>
+        </p:spPr>
+      </p:pic>
+    </p:spTree>
+    <p:extLst>
+      <p:ext uri="{BB962C8B-B14F-4D97-AF65-F5344CB8AC3E}">
+        <p14:creationId xmlns:p14="http://schemas.microsoft.com/office/powerpoint/2010/main" val="659949073"/>
+      </p:ext>
+    </p:extLst>
+  </p:cSld>
+  <p:clrMapOvr>
+    <a:masterClrMapping/>
+  </p:clrMapOvr>
+</p:sld>
+</file>
+
+<file path=ppt/slides/slide2.xml><?xml version="1.0" encoding="utf-8"?>
+<p:sld xmlns:a="http://schemas.openxmlformats.org/drawingml/2006/main" xmlns:r="http://schemas.openxmlformats.org/officeDocument/2006/relationships" xmlns:p="http://schemas.openxmlformats.org/presentationml/2006/main">
+  <p:cSld>
+    <p:spTree>
+      <p:nvGrpSpPr>
+        <p:cNvPr id="1" name=""/>
+        <p:cNvGrpSpPr/>
+        <p:nvPr/>
+      </p:nvGrpSpPr>
+      <p:grpSpPr>
+        <a:xfrm>
+          <a:off x="0" y="0"/>
+          <a:ext cx="0" cy="0"/>
+          <a:chOff x="0" y="0"/>
+          <a:chExt cx="0" cy="0"/>
+        </a:xfrm>
+      </p:grpSpPr>
+      <p:grpSp>
+        <p:nvGrpSpPr>
+          <p:cNvPr id="4" name="グループ化 3">
+            <a:extLst>
+              <a:ext uri="{FF2B5EF4-FFF2-40B4-BE49-F238E27FC236}">
+                <a16:creationId xmlns:a16="http://schemas.microsoft.com/office/drawing/2014/main" id="{8FAE72BF-4A5D-9729-17E7-9C6DE839BD60}"/>
+              </a:ext>
+            </a:extLst>
+          </p:cNvPr>
+          <p:cNvGrpSpPr/>
+          <p:nvPr/>
+        </p:nvGrpSpPr>
+        <p:grpSpPr>
+          <a:xfrm>
+            <a:off x="1219200" y="3779196"/>
+            <a:ext cx="9753600" cy="3190875"/>
+            <a:chOff x="1219200" y="3429000"/>
+            <a:chExt cx="9753600" cy="3190875"/>
+          </a:xfrm>
+        </p:grpSpPr>
+        <p:pic>
+          <p:nvPicPr>
+            <p:cNvPr id="1028" name="Picture 4">
+              <a:extLst>
+                <a:ext uri="{FF2B5EF4-FFF2-40B4-BE49-F238E27FC236}">
+                  <a16:creationId xmlns:a16="http://schemas.microsoft.com/office/drawing/2014/main" id="{908F1874-6C84-977A-3D38-247EF2FBEEA0}"/>
+                </a:ext>
+              </a:extLst>
+            </p:cNvPr>
+            <p:cNvPicPr>
+              <a:picLocks noChangeAspect="1" noChangeArrowheads="1"/>
+            </p:cNvPicPr>
+            <p:nvPr/>
+          </p:nvPicPr>
+          <p:blipFill>
+            <a:blip r:embed="rId2">
+              <a:extLst>
+                <a:ext uri="{28A0092B-C50C-407E-A947-70E740481C1C}">
+                  <a14:useLocalDpi xmlns:a14="http://schemas.microsoft.com/office/drawing/2010/main" val="0"/>
+                </a:ext>
+              </a:extLst>
+            </a:blip>
+            <a:srcRect/>
+            <a:stretch>
+              <a:fillRect/>
+            </a:stretch>
+          </p:blipFill>
+          <p:spPr bwMode="auto">
+            <a:xfrm>
+              <a:off x="1219200" y="3429000"/>
+              <a:ext cx="9753600" cy="3190875"/>
+            </a:xfrm>
+            <a:prstGeom prst="rect">
+              <a:avLst/>
+            </a:prstGeom>
+            <a:noFill/>
+            <a:extLst>
+              <a:ext uri="{909E8E84-426E-40DD-AFC4-6F175D3DCCD1}">
+                <a14:hiddenFill xmlns:a14="http://schemas.microsoft.com/office/drawing/2010/main">
+                  <a:solidFill>
+                    <a:srgbClr val="FFFFFF"/>
+                  </a:solidFill>
+                </a14:hiddenFill>
+              </a:ext>
+            </a:extLst>
+          </p:spPr>
+        </p:pic>
+        <p:sp>
+          <p:nvSpPr>
+            <p:cNvPr id="5" name="テキスト ボックス 4">
+              <a:extLst>
+                <a:ext uri="{FF2B5EF4-FFF2-40B4-BE49-F238E27FC236}">
+                  <a16:creationId xmlns:a16="http://schemas.microsoft.com/office/drawing/2014/main" id="{7F2BCA0A-6C55-B070-65F3-A302EBE4FC03}"/>
+                </a:ext>
+              </a:extLst>
+            </p:cNvPr>
+            <p:cNvSpPr txBox="1"/>
+            <p:nvPr/>
+          </p:nvSpPr>
+          <p:spPr>
+            <a:xfrm>
+              <a:off x="1219200" y="4621694"/>
+              <a:ext cx="1544012" cy="369332"/>
+            </a:xfrm>
+            <a:prstGeom prst="rect">
+              <a:avLst/>
+            </a:prstGeom>
+            <a:noFill/>
+          </p:spPr>
+          <p:txBody>
+            <a:bodyPr wrap="none" rtlCol="0">
+              <a:spAutoFit/>
+            </a:bodyPr>
+            <a:lstStyle/>
+            <a:p>
+              <a:r>
+                <a:rPr lang="ja-JP" altLang="en-US" sz="1800" b="1" i="0" dirty="0">
+                  <a:solidFill>
+                    <a:srgbClr val="373845"/>
+                  </a:solidFill>
+                  <a:effectLst/>
+                  <a:latin typeface="Arial" panose="020B0604020202020204" pitchFamily="34" charset="0"/>
+                </a:rPr>
+                <a:t>報告書</a:t>
+              </a:r>
+              <a:r>
+                <a:rPr lang="en-US" altLang="ja-JP" sz="1800" b="1" i="0" dirty="0">
+                  <a:solidFill>
+                    <a:srgbClr val="373845"/>
+                  </a:solidFill>
+                  <a:effectLst/>
+                  <a:latin typeface="Arial" panose="020B0604020202020204" pitchFamily="34" charset="0"/>
+                </a:rPr>
+                <a:t>. docx</a:t>
+              </a:r>
+              <a:endParaRPr kumimoji="1" lang="ja-JP" altLang="en-US" b="1" dirty="0"/>
+            </a:p>
+          </p:txBody>
+        </p:sp>
+      </p:grpSp>
       <p:sp>
         <p:nvSpPr>
           <p:cNvPr id="2" name="タイトル 1">
@@ -3931,7 +4471,7 @@
         <p:spPr>
           <a:xfrm>
             <a:off x="838200" y="1368425"/>
-            <a:ext cx="10515600" cy="2821285"/>
+            <a:ext cx="10515600" cy="3614323"/>
           </a:xfrm>
         </p:spPr>
         <p:txBody>
@@ -3967,7 +4507,7 @@
                 <a:effectLst/>
                 <a:latin typeface="Arial" panose="020B0604020202020204" pitchFamily="34" charset="0"/>
               </a:rPr>
-              <a:t>通常であれば「報告書</a:t>
+              <a:t>例として通常であれば「報告書</a:t>
             </a:r>
             <a:r>
               <a:rPr lang="en-US" altLang="ja-JP" sz="2400" b="0" i="0" dirty="0">
@@ -4006,7 +4546,7 @@
                 <a:effectLst/>
                 <a:latin typeface="Arial" panose="020B0604020202020204" pitchFamily="34" charset="0"/>
               </a:rPr>
-              <a:t>」</a:t>
+              <a:t>」のように</a:t>
             </a:r>
             <a:r>
               <a:rPr lang="ja-JP" altLang="en-US" sz="2400" dirty="0">
@@ -4015,7 +4555,7 @@
                 </a:solidFill>
                 <a:latin typeface="Arial" panose="020B0604020202020204" pitchFamily="34" charset="0"/>
               </a:rPr>
-              <a:t>を作成日ごとに保存する</a:t>
+              <a:t>作成日ごとに保存する</a:t>
             </a:r>
             <a:endParaRPr lang="en-US" altLang="ja-JP" sz="2400" dirty="0">
               <a:solidFill>
@@ -4082,7 +4622,7 @@
                 <a:effectLst/>
                 <a:latin typeface="Arial" panose="020B0604020202020204" pitchFamily="34" charset="0"/>
               </a:rPr>
-              <a:t>」のみになる</a:t>
+              <a:t>」のみになるが、</a:t>
             </a:r>
             <a:endParaRPr lang="en-US" altLang="ja-JP" sz="2400" b="0" i="0" dirty="0">
               <a:solidFill>
@@ -4093,6 +4633,28 @@
             </a:endParaRPr>
           </a:p>
           <a:p>
+            <a:pPr marL="0" indent="0">
+              <a:buNone/>
+            </a:pPr>
+            <a:r>
+              <a:rPr lang="ja-JP" altLang="en-US" sz="2400" dirty="0">
+                <a:solidFill>
+                  <a:srgbClr val="373845"/>
+                </a:solidFill>
+                <a:latin typeface="Arial" panose="020B0604020202020204" pitchFamily="34" charset="0"/>
+              </a:rPr>
+              <a:t>　</a:t>
+            </a:r>
+            <a:r>
+              <a:rPr lang="ja-JP" altLang="en-US" sz="2400" b="0" i="0" dirty="0">
+                <a:solidFill>
+                  <a:srgbClr val="373845"/>
+                </a:solidFill>
+                <a:effectLst/>
+                <a:latin typeface="Arial" panose="020B0604020202020204" pitchFamily="34" charset="0"/>
+              </a:rPr>
+              <a:t>中身はそれぞれコミットした時の内容が保存されている</a:t>
+            </a:r>
             <a:endParaRPr lang="en-US" altLang="ja-JP" sz="2400" b="0" i="0" dirty="0">
               <a:solidFill>
                 <a:srgbClr val="373845"/>
@@ -4102,6 +4664,15 @@
             </a:endParaRPr>
           </a:p>
           <a:p>
+            <a:endParaRPr lang="en-US" altLang="ja-JP" sz="2400" b="0" i="0" dirty="0">
+              <a:solidFill>
+                <a:srgbClr val="373845"/>
+              </a:solidFill>
+              <a:effectLst/>
+              <a:latin typeface="Arial" panose="020B0604020202020204" pitchFamily="34" charset="0"/>
+            </a:endParaRPr>
+          </a:p>
+          <a:p>
             <a:pPr lvl="1"/>
             <a:r>
               <a:rPr lang="ja-JP" altLang="en-US" sz="2000" dirty="0">
@@ -4283,58 +4854,6 @@
               <a:effectLst/>
               <a:latin typeface="Arial" panose="020B0604020202020204" pitchFamily="34" charset="0"/>
             </a:endParaRPr>
-          </a:p>
-        </p:txBody>
-      </p:sp>
-      <p:sp>
-        <p:nvSpPr>
-          <p:cNvPr id="5" name="テキスト ボックス 4">
-            <a:extLst>
-              <a:ext uri="{FF2B5EF4-FFF2-40B4-BE49-F238E27FC236}">
-                <a16:creationId xmlns:a16="http://schemas.microsoft.com/office/drawing/2014/main" id="{7F2BCA0A-6C55-B070-65F3-A302EBE4FC03}"/>
-              </a:ext>
-            </a:extLst>
-          </p:cNvPr>
-          <p:cNvSpPr txBox="1"/>
-          <p:nvPr/>
-        </p:nvSpPr>
-        <p:spPr>
-          <a:xfrm>
-            <a:off x="1219200" y="4343400"/>
-            <a:ext cx="1544012" cy="369332"/>
-          </a:xfrm>
-          <a:prstGeom prst="rect">
-            <a:avLst/>
-          </a:prstGeom>
-          <a:noFill/>
-        </p:spPr>
-        <p:txBody>
-          <a:bodyPr wrap="none" rtlCol="0">
-            <a:spAutoFit/>
-          </a:bodyPr>
-          <a:lstStyle/>
-          <a:p>
-            <a:r>
-              <a:rPr lang="ja-JP" altLang="en-US" sz="1800" b="1" i="0" dirty="0">
-                <a:solidFill>
-                  <a:srgbClr val="373845"/>
-                </a:solidFill>
-                <a:effectLst/>
-                <a:latin typeface="Arial" panose="020B0604020202020204" pitchFamily="34" charset="0"/>
-              </a:rPr>
-              <a:t>報告書</a:t>
-            </a:r>
-            <a:r>
-              <a:rPr lang="en-US" altLang="ja-JP" sz="1800" b="1" i="0" dirty="0">
-                <a:solidFill>
-                  <a:srgbClr val="373845"/>
-                </a:solidFill>
-                <a:effectLst/>
-                <a:latin typeface="Arial" panose="020B0604020202020204" pitchFamily="34" charset="0"/>
-              </a:rPr>
-              <a:t>. docx</a:t>
-            </a:r>
-            <a:endParaRPr kumimoji="1" lang="ja-JP" altLang="en-US" b="1" dirty="0"/>
           </a:p>
         </p:txBody>
       </p:sp>
@@ -4639,559 +5158,12 @@
           </a:p>
         </p:txBody>
       </p:sp>
-      <p:pic>
-        <p:nvPicPr>
-          <p:cNvPr id="7" name="図 6">
-            <a:extLst>
-              <a:ext uri="{FF2B5EF4-FFF2-40B4-BE49-F238E27FC236}">
-                <a16:creationId xmlns:a16="http://schemas.microsoft.com/office/drawing/2014/main" id="{21FC7871-B98E-0A0A-465C-A45B56235115}"/>
-              </a:ext>
-            </a:extLst>
-          </p:cNvPr>
-          <p:cNvPicPr>
-            <a:picLocks noChangeAspect="1"/>
-          </p:cNvPicPr>
-          <p:nvPr/>
-        </p:nvPicPr>
-        <p:blipFill>
-          <a:blip r:embed="rId2"/>
-          <a:stretch>
-            <a:fillRect/>
-          </a:stretch>
-        </p:blipFill>
-        <p:spPr>
-          <a:xfrm>
-            <a:off x="6019800" y="2113870"/>
-            <a:ext cx="5317765" cy="936462"/>
-          </a:xfrm>
-          <a:prstGeom prst="rect">
-            <a:avLst/>
-          </a:prstGeom>
-        </p:spPr>
-      </p:pic>
-      <p:pic>
-        <p:nvPicPr>
-          <p:cNvPr id="10" name="図 9">
-            <a:extLst>
-              <a:ext uri="{FF2B5EF4-FFF2-40B4-BE49-F238E27FC236}">
-                <a16:creationId xmlns:a16="http://schemas.microsoft.com/office/drawing/2014/main" id="{D2CCED0C-AB01-D744-F7CA-94483B10128B}"/>
-              </a:ext>
-            </a:extLst>
-          </p:cNvPr>
-          <p:cNvPicPr>
-            <a:picLocks noChangeAspect="1"/>
-          </p:cNvPicPr>
-          <p:nvPr/>
-        </p:nvPicPr>
-        <p:blipFill>
-          <a:blip r:embed="rId3"/>
-          <a:stretch>
-            <a:fillRect/>
-          </a:stretch>
-        </p:blipFill>
-        <p:spPr>
-          <a:xfrm>
-            <a:off x="6019800" y="3613666"/>
-            <a:ext cx="6094857" cy="3154299"/>
-          </a:xfrm>
-          <a:prstGeom prst="rect">
-            <a:avLst/>
-          </a:prstGeom>
-        </p:spPr>
-      </p:pic>
-      <p:sp>
-        <p:nvSpPr>
-          <p:cNvPr id="12" name="テキスト ボックス 11">
-            <a:extLst>
-              <a:ext uri="{FF2B5EF4-FFF2-40B4-BE49-F238E27FC236}">
-                <a16:creationId xmlns:a16="http://schemas.microsoft.com/office/drawing/2014/main" id="{ABC3E832-DCFE-0070-93EE-CE8E10C40D3B}"/>
-              </a:ext>
-            </a:extLst>
-          </p:cNvPr>
-          <p:cNvSpPr txBox="1"/>
-          <p:nvPr/>
-        </p:nvSpPr>
-        <p:spPr>
-          <a:xfrm>
-            <a:off x="6019800" y="1794266"/>
-            <a:ext cx="2492990" cy="369332"/>
-          </a:xfrm>
-          <a:prstGeom prst="rect">
-            <a:avLst/>
-          </a:prstGeom>
-          <a:noFill/>
-        </p:spPr>
-        <p:txBody>
-          <a:bodyPr wrap="none" rtlCol="0">
-            <a:spAutoFit/>
-          </a:bodyPr>
-          <a:lstStyle/>
-          <a:p>
-            <a:r>
-              <a:rPr kumimoji="1" lang="ja-JP" altLang="en-US" b="1" dirty="0"/>
-              <a:t>エクスプローラー表示</a:t>
-            </a:r>
-          </a:p>
-        </p:txBody>
-      </p:sp>
-      <p:sp>
-        <p:nvSpPr>
-          <p:cNvPr id="13" name="テキスト ボックス 12">
-            <a:extLst>
-              <a:ext uri="{FF2B5EF4-FFF2-40B4-BE49-F238E27FC236}">
-                <a16:creationId xmlns:a16="http://schemas.microsoft.com/office/drawing/2014/main" id="{C588D085-4903-AB37-F04C-7B972FB317B6}"/>
-              </a:ext>
-            </a:extLst>
-          </p:cNvPr>
-          <p:cNvSpPr txBox="1"/>
-          <p:nvPr/>
-        </p:nvSpPr>
-        <p:spPr>
-          <a:xfrm>
-            <a:off x="6019800" y="3244334"/>
-            <a:ext cx="1880643" cy="369332"/>
-          </a:xfrm>
-          <a:prstGeom prst="rect">
-            <a:avLst/>
-          </a:prstGeom>
-          <a:noFill/>
-        </p:spPr>
-        <p:txBody>
-          <a:bodyPr wrap="none" rtlCol="0">
-            <a:spAutoFit/>
-          </a:bodyPr>
-          <a:lstStyle/>
-          <a:p>
-            <a:r>
-              <a:rPr kumimoji="1" lang="en-US" altLang="ja-JP" b="1" dirty="0" err="1"/>
-              <a:t>Sourcetree</a:t>
-            </a:r>
-            <a:r>
-              <a:rPr kumimoji="1" lang="ja-JP" altLang="en-US" b="1" dirty="0"/>
-              <a:t>表示</a:t>
-            </a:r>
-          </a:p>
-        </p:txBody>
-      </p:sp>
-      <p:sp>
-        <p:nvSpPr>
-          <p:cNvPr id="14" name="正方形/長方形 13">
-            <a:extLst>
-              <a:ext uri="{FF2B5EF4-FFF2-40B4-BE49-F238E27FC236}">
-                <a16:creationId xmlns:a16="http://schemas.microsoft.com/office/drawing/2014/main" id="{8820FCD4-DF3F-FA26-9A82-FBA499F21A54}"/>
-              </a:ext>
-            </a:extLst>
-          </p:cNvPr>
-          <p:cNvSpPr/>
-          <p:nvPr/>
-        </p:nvSpPr>
-        <p:spPr>
-          <a:xfrm>
-            <a:off x="7752522" y="4591878"/>
-            <a:ext cx="4362135" cy="369332"/>
-          </a:xfrm>
-          <a:prstGeom prst="rect">
-            <a:avLst/>
-          </a:prstGeom>
-          <a:noFill/>
-          <a:ln w="38100">
-            <a:solidFill>
-              <a:srgbClr val="FF0000"/>
-            </a:solidFill>
-          </a:ln>
-        </p:spPr>
-        <p:style>
-          <a:lnRef idx="2">
-            <a:schemeClr val="accent1">
-              <a:shade val="50000"/>
-            </a:schemeClr>
-          </a:lnRef>
-          <a:fillRef idx="1">
-            <a:schemeClr val="accent1"/>
-          </a:fillRef>
-          <a:effectRef idx="0">
-            <a:schemeClr val="accent1"/>
-          </a:effectRef>
-          <a:fontRef idx="minor">
-            <a:schemeClr val="lt1"/>
-          </a:fontRef>
-        </p:style>
-        <p:txBody>
-          <a:bodyPr rtlCol="0" anchor="ctr"/>
-          <a:lstStyle/>
-          <a:p>
-            <a:pPr algn="ctr"/>
-            <a:endParaRPr kumimoji="1" lang="ja-JP" altLang="en-US"/>
-          </a:p>
-        </p:txBody>
-      </p:sp>
-      <p:sp>
-        <p:nvSpPr>
-          <p:cNvPr id="15" name="正方形/長方形 14">
-            <a:extLst>
-              <a:ext uri="{FF2B5EF4-FFF2-40B4-BE49-F238E27FC236}">
-                <a16:creationId xmlns:a16="http://schemas.microsoft.com/office/drawing/2014/main" id="{AB0A81F9-071B-ADF8-D512-C92CBC4401BE}"/>
-              </a:ext>
-            </a:extLst>
-          </p:cNvPr>
-          <p:cNvSpPr/>
-          <p:nvPr/>
-        </p:nvSpPr>
-        <p:spPr>
-          <a:xfrm>
-            <a:off x="7752522" y="4956168"/>
-            <a:ext cx="4362135" cy="983254"/>
-          </a:xfrm>
-          <a:prstGeom prst="rect">
-            <a:avLst/>
-          </a:prstGeom>
-          <a:noFill/>
-          <a:ln w="38100">
-            <a:solidFill>
-              <a:srgbClr val="FF0000"/>
-            </a:solidFill>
-          </a:ln>
-        </p:spPr>
-        <p:style>
-          <a:lnRef idx="2">
-            <a:schemeClr val="accent1">
-              <a:shade val="50000"/>
-            </a:schemeClr>
-          </a:lnRef>
-          <a:fillRef idx="1">
-            <a:schemeClr val="accent1"/>
-          </a:fillRef>
-          <a:effectRef idx="0">
-            <a:schemeClr val="accent1"/>
-          </a:effectRef>
-          <a:fontRef idx="minor">
-            <a:schemeClr val="lt1"/>
-          </a:fontRef>
-        </p:style>
-        <p:txBody>
-          <a:bodyPr rtlCol="0" anchor="ctr"/>
-          <a:lstStyle/>
-          <a:p>
-            <a:pPr algn="ctr"/>
-            <a:endParaRPr kumimoji="1" lang="ja-JP" altLang="en-US"/>
-          </a:p>
-        </p:txBody>
-      </p:sp>
-      <p:sp>
-        <p:nvSpPr>
-          <p:cNvPr id="16" name="テキスト ボックス 15">
-            <a:extLst>
-              <a:ext uri="{FF2B5EF4-FFF2-40B4-BE49-F238E27FC236}">
-                <a16:creationId xmlns:a16="http://schemas.microsoft.com/office/drawing/2014/main" id="{5F6A63E8-CB88-82FF-AEC0-0A5E296C79EF}"/>
-              </a:ext>
-            </a:extLst>
-          </p:cNvPr>
-          <p:cNvSpPr txBox="1"/>
-          <p:nvPr/>
-        </p:nvSpPr>
-        <p:spPr>
-          <a:xfrm>
-            <a:off x="3233460" y="4302795"/>
-            <a:ext cx="2688557" cy="369332"/>
-          </a:xfrm>
-          <a:prstGeom prst="rect">
-            <a:avLst/>
-          </a:prstGeom>
-          <a:noFill/>
-        </p:spPr>
-        <p:txBody>
-          <a:bodyPr wrap="none" rtlCol="0">
-            <a:spAutoFit/>
-          </a:bodyPr>
-          <a:lstStyle/>
-          <a:p>
-            <a:r>
-              <a:rPr kumimoji="1" lang="en-US" altLang="ja-JP" b="1" dirty="0" err="1"/>
-              <a:t>Gti</a:t>
-            </a:r>
-            <a:r>
-              <a:rPr kumimoji="1" lang="ja-JP" altLang="en-US" b="1" dirty="0"/>
-              <a:t>導入マニュアル</a:t>
-            </a:r>
-            <a:r>
-              <a:rPr kumimoji="1" lang="en-US" altLang="ja-JP" b="1" dirty="0"/>
-              <a:t>.pptx</a:t>
-            </a:r>
-            <a:endParaRPr kumimoji="1" lang="ja-JP" altLang="en-US" b="1" dirty="0"/>
-          </a:p>
-        </p:txBody>
-      </p:sp>
-      <p:sp>
-        <p:nvSpPr>
-          <p:cNvPr id="17" name="テキスト ボックス 16">
-            <a:extLst>
-              <a:ext uri="{FF2B5EF4-FFF2-40B4-BE49-F238E27FC236}">
-                <a16:creationId xmlns:a16="http://schemas.microsoft.com/office/drawing/2014/main" id="{F8371F51-2A00-C6B4-D6D7-C34E2F361F0B}"/>
-              </a:ext>
-            </a:extLst>
-          </p:cNvPr>
-          <p:cNvSpPr txBox="1"/>
-          <p:nvPr/>
-        </p:nvSpPr>
-        <p:spPr>
-          <a:xfrm>
-            <a:off x="4103088" y="5055213"/>
-            <a:ext cx="949299" cy="369332"/>
-          </a:xfrm>
-          <a:prstGeom prst="rect">
-            <a:avLst/>
-          </a:prstGeom>
-          <a:noFill/>
-        </p:spPr>
-        <p:txBody>
-          <a:bodyPr wrap="none" rtlCol="0">
-            <a:spAutoFit/>
-          </a:bodyPr>
-          <a:lstStyle/>
-          <a:p>
-            <a:r>
-              <a:rPr kumimoji="1" lang="en-US" altLang="ja-JP" b="1" dirty="0"/>
-              <a:t>test.py</a:t>
-            </a:r>
-            <a:endParaRPr kumimoji="1" lang="ja-JP" altLang="en-US" b="1" dirty="0"/>
-          </a:p>
-        </p:txBody>
-      </p:sp>
-      <p:cxnSp>
-        <p:nvCxnSpPr>
-          <p:cNvPr id="19" name="直線矢印コネクタ 18">
-            <a:extLst>
-              <a:ext uri="{FF2B5EF4-FFF2-40B4-BE49-F238E27FC236}">
-                <a16:creationId xmlns:a16="http://schemas.microsoft.com/office/drawing/2014/main" id="{CEFD87A1-C83E-F2B6-EBFE-47CC9CFCD4E7}"/>
-              </a:ext>
-            </a:extLst>
-          </p:cNvPr>
-          <p:cNvCxnSpPr>
-            <a:stCxn id="16" idx="3"/>
-            <a:endCxn id="14" idx="1"/>
-          </p:cNvCxnSpPr>
-          <p:nvPr/>
-        </p:nvCxnSpPr>
-        <p:spPr>
-          <a:xfrm>
-            <a:off x="5922017" y="4487461"/>
-            <a:ext cx="1830505" cy="289083"/>
-          </a:xfrm>
-          <a:prstGeom prst="straightConnector1">
-            <a:avLst/>
-          </a:prstGeom>
-          <a:ln w="38100">
-            <a:solidFill>
-              <a:srgbClr val="FF0000"/>
-            </a:solidFill>
-            <a:tailEnd type="triangle"/>
-          </a:ln>
-        </p:spPr>
-        <p:style>
-          <a:lnRef idx="1">
-            <a:schemeClr val="accent2"/>
-          </a:lnRef>
-          <a:fillRef idx="0">
-            <a:schemeClr val="accent2"/>
-          </a:fillRef>
-          <a:effectRef idx="0">
-            <a:schemeClr val="accent2"/>
-          </a:effectRef>
-          <a:fontRef idx="minor">
-            <a:schemeClr val="tx1"/>
-          </a:fontRef>
-        </p:style>
-      </p:cxnSp>
-      <p:cxnSp>
-        <p:nvCxnSpPr>
-          <p:cNvPr id="20" name="直線矢印コネクタ 19">
-            <a:extLst>
-              <a:ext uri="{FF2B5EF4-FFF2-40B4-BE49-F238E27FC236}">
-                <a16:creationId xmlns:a16="http://schemas.microsoft.com/office/drawing/2014/main" id="{821DBA83-E82E-B169-04D1-C79814A1BE7F}"/>
-              </a:ext>
-            </a:extLst>
-          </p:cNvPr>
-          <p:cNvCxnSpPr>
-            <a:cxnSpLocks/>
-            <a:stCxn id="17" idx="3"/>
-            <a:endCxn id="15" idx="1"/>
-          </p:cNvCxnSpPr>
-          <p:nvPr/>
-        </p:nvCxnSpPr>
-        <p:spPr>
-          <a:xfrm>
-            <a:off x="5052387" y="5239879"/>
-            <a:ext cx="2700135" cy="207916"/>
-          </a:xfrm>
-          <a:prstGeom prst="straightConnector1">
-            <a:avLst/>
-          </a:prstGeom>
-          <a:ln w="38100">
-            <a:solidFill>
-              <a:srgbClr val="FF0000"/>
-            </a:solidFill>
-            <a:tailEnd type="triangle"/>
-          </a:ln>
-        </p:spPr>
-        <p:style>
-          <a:lnRef idx="1">
-            <a:schemeClr val="accent2"/>
-          </a:lnRef>
-          <a:fillRef idx="0">
-            <a:schemeClr val="accent2"/>
-          </a:fillRef>
-          <a:effectRef idx="0">
-            <a:schemeClr val="accent2"/>
-          </a:effectRef>
-          <a:fontRef idx="minor">
-            <a:schemeClr val="tx1"/>
-          </a:fontRef>
-        </p:style>
-      </p:cxnSp>
-    </p:spTree>
-    <p:extLst>
-      <p:ext uri="{BB962C8B-B14F-4D97-AF65-F5344CB8AC3E}">
-        <p14:creationId xmlns:p14="http://schemas.microsoft.com/office/powerpoint/2010/main" val="3060058627"/>
-      </p:ext>
-    </p:extLst>
-  </p:cSld>
-  <p:clrMapOvr>
-    <a:masterClrMapping/>
-  </p:clrMapOvr>
-</p:sld>
-</file>
-
-<file path=ppt/slides/slide5.xml><?xml version="1.0" encoding="utf-8"?>
-<p:sld xmlns:a="http://schemas.openxmlformats.org/drawingml/2006/main" xmlns:r="http://schemas.openxmlformats.org/officeDocument/2006/relationships" xmlns:p="http://schemas.openxmlformats.org/presentationml/2006/main">
-  <p:cSld>
-    <p:spTree>
-      <p:nvGrpSpPr>
-        <p:cNvPr id="1" name=""/>
-        <p:cNvGrpSpPr/>
-        <p:nvPr/>
-      </p:nvGrpSpPr>
-      <p:grpSpPr>
-        <a:xfrm>
-          <a:off x="0" y="0"/>
-          <a:ext cx="0" cy="0"/>
-          <a:chOff x="0" y="0"/>
-          <a:chExt cx="0" cy="0"/>
-        </a:xfrm>
-      </p:grpSpPr>
-      <p:sp>
-        <p:nvSpPr>
-          <p:cNvPr id="5" name="タイトル 4">
-            <a:extLst>
-              <a:ext uri="{FF2B5EF4-FFF2-40B4-BE49-F238E27FC236}">
-                <a16:creationId xmlns:a16="http://schemas.microsoft.com/office/drawing/2014/main" id="{D7F46FD0-E78B-4EE9-CCC6-8CC36774419A}"/>
-              </a:ext>
-            </a:extLst>
-          </p:cNvPr>
-          <p:cNvSpPr>
-            <a:spLocks noGrp="1"/>
-          </p:cNvSpPr>
-          <p:nvPr>
-            <p:ph type="title"/>
-          </p:nvPr>
-        </p:nvSpPr>
-        <p:spPr/>
-        <p:txBody>
-          <a:bodyPr/>
-          <a:lstStyle/>
-          <a:p>
-            <a:r>
-              <a:rPr lang="en-US" altLang="ja-JP" dirty="0"/>
-              <a:t>GitHub</a:t>
-            </a:r>
-            <a:r>
-              <a:rPr lang="ja-JP" altLang="en-US" dirty="0"/>
-              <a:t>概要</a:t>
-            </a:r>
-          </a:p>
-        </p:txBody>
-      </p:sp>
-      <p:sp>
-        <p:nvSpPr>
-          <p:cNvPr id="6" name="コンテンツ プレースホルダー 5">
-            <a:extLst>
-              <a:ext uri="{FF2B5EF4-FFF2-40B4-BE49-F238E27FC236}">
-                <a16:creationId xmlns:a16="http://schemas.microsoft.com/office/drawing/2014/main" id="{4CF372A0-C565-E580-8E94-75BE972ECB6B}"/>
-              </a:ext>
-            </a:extLst>
-          </p:cNvPr>
-          <p:cNvSpPr>
-            <a:spLocks noGrp="1"/>
-          </p:cNvSpPr>
-          <p:nvPr>
-            <p:ph idx="1"/>
-          </p:nvPr>
-        </p:nvSpPr>
-        <p:spPr/>
-        <p:txBody>
-          <a:bodyPr/>
-          <a:lstStyle/>
-          <a:p>
-            <a:r>
-              <a:rPr lang="en-US" altLang="ja-JP" b="0" i="0" dirty="0">
-                <a:solidFill>
-                  <a:srgbClr val="000000"/>
-                </a:solidFill>
-                <a:effectLst/>
-                <a:latin typeface="FujitsuInfinityPro-Regular"/>
-              </a:rPr>
-              <a:t>Git</a:t>
-            </a:r>
-            <a:r>
-              <a:rPr lang="ja-JP" altLang="en-US" b="0" i="0" dirty="0">
-                <a:solidFill>
-                  <a:srgbClr val="000000"/>
-                </a:solidFill>
-                <a:effectLst/>
-                <a:latin typeface="FujitsuInfinityPro-Regular"/>
-              </a:rPr>
-              <a:t>をオンライン上で管理するウェブサービスであり、</a:t>
-            </a:r>
-            <a:endParaRPr lang="en-US" altLang="ja-JP" b="0" i="0" dirty="0">
-              <a:solidFill>
-                <a:srgbClr val="000000"/>
-              </a:solidFill>
-              <a:effectLst/>
-              <a:latin typeface="FujitsuInfinityPro-Regular"/>
-            </a:endParaRPr>
-          </a:p>
-          <a:p>
-            <a:pPr marL="0" indent="0">
-              <a:buNone/>
-            </a:pPr>
-            <a:r>
-              <a:rPr lang="ja-JP" altLang="en-US" dirty="0">
-                <a:solidFill>
-                  <a:srgbClr val="000000"/>
-                </a:solidFill>
-                <a:latin typeface="FujitsuInfinityPro-Regular"/>
-              </a:rPr>
-              <a:t>  </a:t>
-            </a:r>
-            <a:r>
-              <a:rPr lang="ja-JP" altLang="en-US" b="0" i="0" dirty="0">
-                <a:solidFill>
-                  <a:srgbClr val="000000"/>
-                </a:solidFill>
-                <a:effectLst/>
-                <a:latin typeface="FujitsuInfinityPro-Regular"/>
-              </a:rPr>
-              <a:t>リモートリポジトリの一種</a:t>
-            </a:r>
-            <a:endParaRPr lang="ja-JP" altLang="en-US" dirty="0"/>
-          </a:p>
-        </p:txBody>
-      </p:sp>
       <p:grpSp>
         <p:nvGrpSpPr>
-          <p:cNvPr id="10" name="グループ化 9">
-            <a:extLst>
-              <a:ext uri="{FF2B5EF4-FFF2-40B4-BE49-F238E27FC236}">
-                <a16:creationId xmlns:a16="http://schemas.microsoft.com/office/drawing/2014/main" id="{CC25EE9A-62F3-CCDC-8AFC-2617542AFD57}"/>
+          <p:cNvPr id="4" name="グループ化 3">
+            <a:extLst>
+              <a:ext uri="{FF2B5EF4-FFF2-40B4-BE49-F238E27FC236}">
+                <a16:creationId xmlns:a16="http://schemas.microsoft.com/office/drawing/2014/main" id="{E907E557-18F5-0C79-2E3D-ED3993AC5FFA}"/>
               </a:ext>
             </a:extLst>
           </p:cNvPr>
@@ -5200,65 +5172,194 @@
         </p:nvGrpSpPr>
         <p:grpSpPr>
           <a:xfrm>
-            <a:off x="3118961" y="2937372"/>
-            <a:ext cx="5954078" cy="3555503"/>
-            <a:chOff x="3118961" y="2937372"/>
-            <a:chExt cx="5954078" cy="3555503"/>
+            <a:off x="6019800" y="1794266"/>
+            <a:ext cx="5317765" cy="1256066"/>
+            <a:chOff x="6019800" y="1794266"/>
+            <a:chExt cx="5317765" cy="1256066"/>
           </a:xfrm>
         </p:grpSpPr>
         <p:pic>
           <p:nvPicPr>
-            <p:cNvPr id="7" name="Picture 2" descr="リモートリポジトリとローカルリポジトリについて">
+            <p:cNvPr id="7" name="図 6">
               <a:extLst>
                 <a:ext uri="{FF2B5EF4-FFF2-40B4-BE49-F238E27FC236}">
-                  <a16:creationId xmlns:a16="http://schemas.microsoft.com/office/drawing/2014/main" id="{6669B9DA-A7C7-F218-E397-E8D25B2851A0}"/>
+                  <a16:creationId xmlns:a16="http://schemas.microsoft.com/office/drawing/2014/main" id="{21FC7871-B98E-0A0A-465C-A45B56235115}"/>
                 </a:ext>
               </a:extLst>
             </p:cNvPr>
             <p:cNvPicPr>
-              <a:picLocks noChangeAspect="1" noChangeArrowheads="1"/>
+              <a:picLocks noChangeAspect="1"/>
             </p:cNvPicPr>
             <p:nvPr/>
           </p:nvPicPr>
           <p:blipFill>
-            <a:blip r:embed="rId2">
-              <a:extLst>
-                <a:ext uri="{28A0092B-C50C-407E-A947-70E740481C1C}">
-                  <a14:useLocalDpi xmlns:a14="http://schemas.microsoft.com/office/drawing/2010/main" val="0"/>
-                </a:ext>
-              </a:extLst>
-            </a:blip>
-            <a:srcRect/>
+            <a:blip r:embed="rId2"/>
             <a:stretch>
               <a:fillRect/>
             </a:stretch>
           </p:blipFill>
-          <p:spPr bwMode="auto">
+          <p:spPr>
             <a:xfrm>
-              <a:off x="3118961" y="3081591"/>
-              <a:ext cx="5954078" cy="3411284"/>
+              <a:off x="6019800" y="2113870"/>
+              <a:ext cx="5317765" cy="936462"/>
+            </a:xfrm>
+            <a:prstGeom prst="rect">
+              <a:avLst/>
+            </a:prstGeom>
+          </p:spPr>
+        </p:pic>
+        <p:sp>
+          <p:nvSpPr>
+            <p:cNvPr id="12" name="テキスト ボックス 11">
+              <a:extLst>
+                <a:ext uri="{FF2B5EF4-FFF2-40B4-BE49-F238E27FC236}">
+                  <a16:creationId xmlns:a16="http://schemas.microsoft.com/office/drawing/2014/main" id="{ABC3E832-DCFE-0070-93EE-CE8E10C40D3B}"/>
+                </a:ext>
+              </a:extLst>
+            </p:cNvPr>
+            <p:cNvSpPr txBox="1"/>
+            <p:nvPr/>
+          </p:nvSpPr>
+          <p:spPr>
+            <a:xfrm>
+              <a:off x="6019800" y="1794266"/>
+              <a:ext cx="2492990" cy="369332"/>
             </a:xfrm>
             <a:prstGeom prst="rect">
               <a:avLst/>
             </a:prstGeom>
             <a:noFill/>
-            <a:extLst>
-              <a:ext uri="{909E8E84-426E-40DD-AFC4-6F175D3DCCD1}">
-                <a14:hiddenFill xmlns:a14="http://schemas.microsoft.com/office/drawing/2010/main">
-                  <a:solidFill>
-                    <a:srgbClr val="FFFFFF"/>
-                  </a:solidFill>
-                </a14:hiddenFill>
-              </a:ext>
-            </a:extLst>
           </p:spPr>
-        </p:pic>
+          <p:txBody>
+            <a:bodyPr wrap="none" rtlCol="0">
+              <a:spAutoFit/>
+            </a:bodyPr>
+            <a:lstStyle/>
+            <a:p>
+              <a:r>
+                <a:rPr kumimoji="1" lang="ja-JP" altLang="en-US" b="1" dirty="0"/>
+                <a:t>エクスプローラー表示</a:t>
+              </a:r>
+            </a:p>
+          </p:txBody>
+        </p:sp>
+      </p:grpSp>
+      <p:grpSp>
+        <p:nvGrpSpPr>
+          <p:cNvPr id="6" name="グループ化 5">
+            <a:extLst>
+              <a:ext uri="{FF2B5EF4-FFF2-40B4-BE49-F238E27FC236}">
+                <a16:creationId xmlns:a16="http://schemas.microsoft.com/office/drawing/2014/main" id="{0A0366D4-7943-51D1-1939-E54978B3D6E3}"/>
+              </a:ext>
+            </a:extLst>
+          </p:cNvPr>
+          <p:cNvGrpSpPr/>
+          <p:nvPr/>
+        </p:nvGrpSpPr>
+        <p:grpSpPr>
+          <a:xfrm>
+            <a:off x="3233460" y="3244334"/>
+            <a:ext cx="8881197" cy="3523631"/>
+            <a:chOff x="3233460" y="3244334"/>
+            <a:chExt cx="8881197" cy="3523631"/>
+          </a:xfrm>
+        </p:grpSpPr>
+        <p:grpSp>
+          <p:nvGrpSpPr>
+            <p:cNvPr id="5" name="グループ化 4">
+              <a:extLst>
+                <a:ext uri="{FF2B5EF4-FFF2-40B4-BE49-F238E27FC236}">
+                  <a16:creationId xmlns:a16="http://schemas.microsoft.com/office/drawing/2014/main" id="{C1189B12-8882-56CF-C125-6F659BB6BF4C}"/>
+                </a:ext>
+              </a:extLst>
+            </p:cNvPr>
+            <p:cNvGrpSpPr/>
+            <p:nvPr/>
+          </p:nvGrpSpPr>
+          <p:grpSpPr>
+            <a:xfrm>
+              <a:off x="6019800" y="3244334"/>
+              <a:ext cx="6094857" cy="3523631"/>
+              <a:chOff x="6019800" y="3244334"/>
+              <a:chExt cx="6094857" cy="3523631"/>
+            </a:xfrm>
+          </p:grpSpPr>
+          <p:pic>
+            <p:nvPicPr>
+              <p:cNvPr id="10" name="図 9">
+                <a:extLst>
+                  <a:ext uri="{FF2B5EF4-FFF2-40B4-BE49-F238E27FC236}">
+                    <a16:creationId xmlns:a16="http://schemas.microsoft.com/office/drawing/2014/main" id="{D2CCED0C-AB01-D744-F7CA-94483B10128B}"/>
+                  </a:ext>
+                </a:extLst>
+              </p:cNvPr>
+              <p:cNvPicPr>
+                <a:picLocks noChangeAspect="1"/>
+              </p:cNvPicPr>
+              <p:nvPr/>
+            </p:nvPicPr>
+            <p:blipFill>
+              <a:blip r:embed="rId3"/>
+              <a:stretch>
+                <a:fillRect/>
+              </a:stretch>
+            </p:blipFill>
+            <p:spPr>
+              <a:xfrm>
+                <a:off x="6019800" y="3613666"/>
+                <a:ext cx="6094857" cy="3154299"/>
+              </a:xfrm>
+              <a:prstGeom prst="rect">
+                <a:avLst/>
+              </a:prstGeom>
+            </p:spPr>
+          </p:pic>
+          <p:sp>
+            <p:nvSpPr>
+              <p:cNvPr id="13" name="テキスト ボックス 12">
+                <a:extLst>
+                  <a:ext uri="{FF2B5EF4-FFF2-40B4-BE49-F238E27FC236}">
+                    <a16:creationId xmlns:a16="http://schemas.microsoft.com/office/drawing/2014/main" id="{C588D085-4903-AB37-F04C-7B972FB317B6}"/>
+                  </a:ext>
+                </a:extLst>
+              </p:cNvPr>
+              <p:cNvSpPr txBox="1"/>
+              <p:nvPr/>
+            </p:nvSpPr>
+            <p:spPr>
+              <a:xfrm>
+                <a:off x="6019800" y="3244334"/>
+                <a:ext cx="1880643" cy="369332"/>
+              </a:xfrm>
+              <a:prstGeom prst="rect">
+                <a:avLst/>
+              </a:prstGeom>
+              <a:noFill/>
+            </p:spPr>
+            <p:txBody>
+              <a:bodyPr wrap="none" rtlCol="0">
+                <a:spAutoFit/>
+              </a:bodyPr>
+              <a:lstStyle/>
+              <a:p>
+                <a:r>
+                  <a:rPr kumimoji="1" lang="en-US" altLang="ja-JP" b="1" dirty="0" err="1"/>
+                  <a:t>Sourcetree</a:t>
+                </a:r>
+                <a:r>
+                  <a:rPr kumimoji="1" lang="ja-JP" altLang="en-US" b="1" dirty="0"/>
+                  <a:t>表示</a:t>
+                </a:r>
+              </a:p>
+            </p:txBody>
+          </p:sp>
+        </p:grpSp>
         <p:sp>
           <p:nvSpPr>
-            <p:cNvPr id="8" name="正方形/長方形 7">
+            <p:cNvPr id="14" name="正方形/長方形 13">
               <a:extLst>
                 <a:ext uri="{FF2B5EF4-FFF2-40B4-BE49-F238E27FC236}">
-                  <a16:creationId xmlns:a16="http://schemas.microsoft.com/office/drawing/2014/main" id="{BE2427EC-D102-5987-2397-04ABB3698D22}"/>
+                  <a16:creationId xmlns:a16="http://schemas.microsoft.com/office/drawing/2014/main" id="{8820FCD4-DF3F-FA26-9A82-FBA499F21A54}"/>
                 </a:ext>
               </a:extLst>
             </p:cNvPr>
@@ -5267,8 +5368,8 @@
           </p:nvSpPr>
           <p:spPr>
             <a:xfrm>
-              <a:off x="5141297" y="2937372"/>
-              <a:ext cx="1957087" cy="1606347"/>
+              <a:off x="7752522" y="4591878"/>
+              <a:ext cx="4362135" cy="369332"/>
             </a:xfrm>
             <a:prstGeom prst="rect">
               <a:avLst/>
@@ -5305,47 +5406,1150 @@
             </a:p>
           </p:txBody>
         </p:sp>
+        <p:sp>
+          <p:nvSpPr>
+            <p:cNvPr id="15" name="正方形/長方形 14">
+              <a:extLst>
+                <a:ext uri="{FF2B5EF4-FFF2-40B4-BE49-F238E27FC236}">
+                  <a16:creationId xmlns:a16="http://schemas.microsoft.com/office/drawing/2014/main" id="{AB0A81F9-071B-ADF8-D512-C92CBC4401BE}"/>
+                </a:ext>
+              </a:extLst>
+            </p:cNvPr>
+            <p:cNvSpPr/>
+            <p:nvPr/>
+          </p:nvSpPr>
+          <p:spPr>
+            <a:xfrm>
+              <a:off x="7752522" y="4956168"/>
+              <a:ext cx="4362135" cy="983254"/>
+            </a:xfrm>
+            <a:prstGeom prst="rect">
+              <a:avLst/>
+            </a:prstGeom>
+            <a:noFill/>
+            <a:ln w="38100">
+              <a:solidFill>
+                <a:srgbClr val="FF0000"/>
+              </a:solidFill>
+            </a:ln>
+          </p:spPr>
+          <p:style>
+            <a:lnRef idx="2">
+              <a:schemeClr val="accent1">
+                <a:shade val="50000"/>
+              </a:schemeClr>
+            </a:lnRef>
+            <a:fillRef idx="1">
+              <a:schemeClr val="accent1"/>
+            </a:fillRef>
+            <a:effectRef idx="0">
+              <a:schemeClr val="accent1"/>
+            </a:effectRef>
+            <a:fontRef idx="minor">
+              <a:schemeClr val="lt1"/>
+            </a:fontRef>
+          </p:style>
+          <p:txBody>
+            <a:bodyPr rtlCol="0" anchor="ctr"/>
+            <a:lstStyle/>
+            <a:p>
+              <a:pPr algn="ctr"/>
+              <a:endParaRPr kumimoji="1" lang="ja-JP" altLang="en-US"/>
+            </a:p>
+          </p:txBody>
+        </p:sp>
+        <p:sp>
+          <p:nvSpPr>
+            <p:cNvPr id="16" name="テキスト ボックス 15">
+              <a:extLst>
+                <a:ext uri="{FF2B5EF4-FFF2-40B4-BE49-F238E27FC236}">
+                  <a16:creationId xmlns:a16="http://schemas.microsoft.com/office/drawing/2014/main" id="{5F6A63E8-CB88-82FF-AEC0-0A5E296C79EF}"/>
+                </a:ext>
+              </a:extLst>
+            </p:cNvPr>
+            <p:cNvSpPr txBox="1"/>
+            <p:nvPr/>
+          </p:nvSpPr>
+          <p:spPr>
+            <a:xfrm>
+              <a:off x="3233460" y="4302795"/>
+              <a:ext cx="2688557" cy="369332"/>
+            </a:xfrm>
+            <a:prstGeom prst="rect">
+              <a:avLst/>
+            </a:prstGeom>
+            <a:noFill/>
+          </p:spPr>
+          <p:txBody>
+            <a:bodyPr wrap="none" rtlCol="0">
+              <a:spAutoFit/>
+            </a:bodyPr>
+            <a:lstStyle/>
+            <a:p>
+              <a:r>
+                <a:rPr kumimoji="1" lang="en-US" altLang="ja-JP" b="1" u="sng" dirty="0" err="1"/>
+                <a:t>Gti</a:t>
+              </a:r>
+              <a:r>
+                <a:rPr kumimoji="1" lang="ja-JP" altLang="en-US" b="1" u="sng" dirty="0"/>
+                <a:t>導入マニュアル</a:t>
+              </a:r>
+              <a:r>
+                <a:rPr kumimoji="1" lang="en-US" altLang="ja-JP" b="1" u="sng" dirty="0"/>
+                <a:t>.pptx</a:t>
+              </a:r>
+              <a:endParaRPr kumimoji="1" lang="ja-JP" altLang="en-US" b="1" u="sng" dirty="0"/>
+            </a:p>
+          </p:txBody>
+        </p:sp>
+        <p:sp>
+          <p:nvSpPr>
+            <p:cNvPr id="17" name="テキスト ボックス 16">
+              <a:extLst>
+                <a:ext uri="{FF2B5EF4-FFF2-40B4-BE49-F238E27FC236}">
+                  <a16:creationId xmlns:a16="http://schemas.microsoft.com/office/drawing/2014/main" id="{F8371F51-2A00-C6B4-D6D7-C34E2F361F0B}"/>
+                </a:ext>
+              </a:extLst>
+            </p:cNvPr>
+            <p:cNvSpPr txBox="1"/>
+            <p:nvPr/>
+          </p:nvSpPr>
+          <p:spPr>
+            <a:xfrm>
+              <a:off x="4103088" y="5055213"/>
+              <a:ext cx="949299" cy="369332"/>
+            </a:xfrm>
+            <a:prstGeom prst="rect">
+              <a:avLst/>
+            </a:prstGeom>
+            <a:noFill/>
+          </p:spPr>
+          <p:txBody>
+            <a:bodyPr wrap="none" rtlCol="0">
+              <a:spAutoFit/>
+            </a:bodyPr>
+            <a:lstStyle/>
+            <a:p>
+              <a:r>
+                <a:rPr kumimoji="1" lang="en-US" altLang="ja-JP" b="1" u="sng" dirty="0"/>
+                <a:t>test.py</a:t>
+              </a:r>
+              <a:endParaRPr kumimoji="1" lang="ja-JP" altLang="en-US" b="1" u="sng" dirty="0"/>
+            </a:p>
+          </p:txBody>
+        </p:sp>
+        <p:cxnSp>
+          <p:nvCxnSpPr>
+            <p:cNvPr id="19" name="直線矢印コネクタ 18">
+              <a:extLst>
+                <a:ext uri="{FF2B5EF4-FFF2-40B4-BE49-F238E27FC236}">
+                  <a16:creationId xmlns:a16="http://schemas.microsoft.com/office/drawing/2014/main" id="{CEFD87A1-C83E-F2B6-EBFE-47CC9CFCD4E7}"/>
+                </a:ext>
+              </a:extLst>
+            </p:cNvPr>
+            <p:cNvCxnSpPr>
+              <a:stCxn id="16" idx="3"/>
+              <a:endCxn id="14" idx="1"/>
+            </p:cNvCxnSpPr>
+            <p:nvPr/>
+          </p:nvCxnSpPr>
+          <p:spPr>
+            <a:xfrm>
+              <a:off x="5922017" y="4487461"/>
+              <a:ext cx="1830505" cy="289083"/>
+            </a:xfrm>
+            <a:prstGeom prst="straightConnector1">
+              <a:avLst/>
+            </a:prstGeom>
+            <a:ln w="38100">
+              <a:solidFill>
+                <a:srgbClr val="FF0000"/>
+              </a:solidFill>
+              <a:tailEnd type="triangle"/>
+            </a:ln>
+          </p:spPr>
+          <p:style>
+            <a:lnRef idx="1">
+              <a:schemeClr val="accent2"/>
+            </a:lnRef>
+            <a:fillRef idx="0">
+              <a:schemeClr val="accent2"/>
+            </a:fillRef>
+            <a:effectRef idx="0">
+              <a:schemeClr val="accent2"/>
+            </a:effectRef>
+            <a:fontRef idx="minor">
+              <a:schemeClr val="tx1"/>
+            </a:fontRef>
+          </p:style>
+        </p:cxnSp>
+        <p:cxnSp>
+          <p:nvCxnSpPr>
+            <p:cNvPr id="20" name="直線矢印コネクタ 19">
+              <a:extLst>
+                <a:ext uri="{FF2B5EF4-FFF2-40B4-BE49-F238E27FC236}">
+                  <a16:creationId xmlns:a16="http://schemas.microsoft.com/office/drawing/2014/main" id="{821DBA83-E82E-B169-04D1-C79814A1BE7F}"/>
+                </a:ext>
+              </a:extLst>
+            </p:cNvPr>
+            <p:cNvCxnSpPr>
+              <a:cxnSpLocks/>
+              <a:stCxn id="17" idx="3"/>
+              <a:endCxn id="15" idx="1"/>
+            </p:cNvCxnSpPr>
+            <p:nvPr/>
+          </p:nvCxnSpPr>
+          <p:spPr>
+            <a:xfrm>
+              <a:off x="5052387" y="5239879"/>
+              <a:ext cx="2700135" cy="207916"/>
+            </a:xfrm>
+            <a:prstGeom prst="straightConnector1">
+              <a:avLst/>
+            </a:prstGeom>
+            <a:ln w="38100">
+              <a:solidFill>
+                <a:srgbClr val="FF0000"/>
+              </a:solidFill>
+              <a:tailEnd type="triangle"/>
+            </a:ln>
+          </p:spPr>
+          <p:style>
+            <a:lnRef idx="1">
+              <a:schemeClr val="accent2"/>
+            </a:lnRef>
+            <a:fillRef idx="0">
+              <a:schemeClr val="accent2"/>
+            </a:fillRef>
+            <a:effectRef idx="0">
+              <a:schemeClr val="accent2"/>
+            </a:effectRef>
+            <a:fontRef idx="minor">
+              <a:schemeClr val="tx1"/>
+            </a:fontRef>
+          </p:style>
+        </p:cxnSp>
       </p:grpSp>
-      <p:sp>
-        <p:nvSpPr>
-          <p:cNvPr id="9" name="テキスト ボックス 8">
-            <a:extLst>
-              <a:ext uri="{FF2B5EF4-FFF2-40B4-BE49-F238E27FC236}">
-                <a16:creationId xmlns:a16="http://schemas.microsoft.com/office/drawing/2014/main" id="{9AB8B440-305E-B987-BDBE-AB2658158ED4}"/>
-              </a:ext>
-            </a:extLst>
-          </p:cNvPr>
-          <p:cNvSpPr txBox="1"/>
+    </p:spTree>
+    <p:extLst>
+      <p:ext uri="{BB962C8B-B14F-4D97-AF65-F5344CB8AC3E}">
+        <p14:creationId xmlns:p14="http://schemas.microsoft.com/office/powerpoint/2010/main" val="3060058627"/>
+      </p:ext>
+    </p:extLst>
+  </p:cSld>
+  <p:clrMapOvr>
+    <a:masterClrMapping/>
+  </p:clrMapOvr>
+</p:sld>
+</file>
+
+<file path=ppt/slides/slide5.xml><?xml version="1.0" encoding="utf-8"?>
+<p:sld xmlns:a="http://schemas.openxmlformats.org/drawingml/2006/main" xmlns:r="http://schemas.openxmlformats.org/officeDocument/2006/relationships" xmlns:p="http://schemas.openxmlformats.org/presentationml/2006/main">
+  <p:cSld>
+    <p:spTree>
+      <p:nvGrpSpPr>
+        <p:cNvPr id="1" name=""/>
+        <p:cNvGrpSpPr/>
+        <p:nvPr/>
+      </p:nvGrpSpPr>
+      <p:grpSpPr>
+        <a:xfrm>
+          <a:off x="0" y="0"/>
+          <a:ext cx="0" cy="0"/>
+          <a:chOff x="0" y="0"/>
+          <a:chExt cx="0" cy="0"/>
+        </a:xfrm>
+      </p:grpSpPr>
+      <p:sp>
+        <p:nvSpPr>
+          <p:cNvPr id="5" name="タイトル 4">
+            <a:extLst>
+              <a:ext uri="{FF2B5EF4-FFF2-40B4-BE49-F238E27FC236}">
+                <a16:creationId xmlns:a16="http://schemas.microsoft.com/office/drawing/2014/main" id="{D7F46FD0-E78B-4EE9-CCC6-8CC36774419A}"/>
+              </a:ext>
+            </a:extLst>
+          </p:cNvPr>
+          <p:cNvSpPr>
+            <a:spLocks noGrp="1"/>
+          </p:cNvSpPr>
+          <p:nvPr>
+            <p:ph type="title"/>
+          </p:nvPr>
+        </p:nvSpPr>
+        <p:spPr/>
+        <p:txBody>
+          <a:bodyPr/>
+          <a:lstStyle/>
+          <a:p>
+            <a:r>
+              <a:rPr lang="en-US" altLang="ja-JP" dirty="0"/>
+              <a:t>GitHub</a:t>
+            </a:r>
+            <a:r>
+              <a:rPr lang="ja-JP" altLang="en-US" dirty="0"/>
+              <a:t>概要</a:t>
+            </a:r>
+          </a:p>
+        </p:txBody>
+      </p:sp>
+      <p:sp>
+        <p:nvSpPr>
+          <p:cNvPr id="6" name="コンテンツ プレースホルダー 5">
+            <a:extLst>
+              <a:ext uri="{FF2B5EF4-FFF2-40B4-BE49-F238E27FC236}">
+                <a16:creationId xmlns:a16="http://schemas.microsoft.com/office/drawing/2014/main" id="{4CF372A0-C565-E580-8E94-75BE972ECB6B}"/>
+              </a:ext>
+            </a:extLst>
+          </p:cNvPr>
+          <p:cNvSpPr>
+            <a:spLocks noGrp="1"/>
+          </p:cNvSpPr>
+          <p:nvPr>
+            <p:ph idx="1"/>
+          </p:nvPr>
+        </p:nvSpPr>
+        <p:spPr/>
+        <p:txBody>
+          <a:bodyPr/>
+          <a:lstStyle/>
+          <a:p>
+            <a:r>
+              <a:rPr lang="en-US" altLang="ja-JP" b="0" i="0" dirty="0">
+                <a:solidFill>
+                  <a:srgbClr val="000000"/>
+                </a:solidFill>
+                <a:effectLst/>
+                <a:latin typeface="FujitsuInfinityPro-Regular"/>
+              </a:rPr>
+              <a:t>Git</a:t>
+            </a:r>
+            <a:r>
+              <a:rPr lang="ja-JP" altLang="en-US" b="0" i="0" dirty="0">
+                <a:solidFill>
+                  <a:srgbClr val="000000"/>
+                </a:solidFill>
+                <a:effectLst/>
+                <a:latin typeface="FujitsuInfinityPro-Regular"/>
+              </a:rPr>
+              <a:t>をオンライン上で管理するウェブサービスであり、</a:t>
+            </a:r>
+            <a:endParaRPr lang="en-US" altLang="ja-JP" b="0" i="0" dirty="0">
+              <a:solidFill>
+                <a:srgbClr val="000000"/>
+              </a:solidFill>
+              <a:effectLst/>
+              <a:latin typeface="FujitsuInfinityPro-Regular"/>
+            </a:endParaRPr>
+          </a:p>
+          <a:p>
+            <a:pPr marL="0" indent="0">
+              <a:buNone/>
+            </a:pPr>
+            <a:r>
+              <a:rPr lang="ja-JP" altLang="en-US" dirty="0">
+                <a:solidFill>
+                  <a:srgbClr val="000000"/>
+                </a:solidFill>
+                <a:latin typeface="FujitsuInfinityPro-Regular"/>
+              </a:rPr>
+              <a:t>  </a:t>
+            </a:r>
+            <a:r>
+              <a:rPr lang="ja-JP" altLang="en-US" b="0" i="0" dirty="0">
+                <a:solidFill>
+                  <a:srgbClr val="000000"/>
+                </a:solidFill>
+                <a:effectLst/>
+                <a:latin typeface="FujitsuInfinityPro-Regular"/>
+              </a:rPr>
+              <a:t>リモートリポジトリの一種</a:t>
+            </a:r>
+            <a:endParaRPr lang="ja-JP" altLang="en-US" dirty="0"/>
+          </a:p>
+        </p:txBody>
+      </p:sp>
+      <p:grpSp>
+        <p:nvGrpSpPr>
+          <p:cNvPr id="2" name="グループ化 1">
+            <a:extLst>
+              <a:ext uri="{FF2B5EF4-FFF2-40B4-BE49-F238E27FC236}">
+                <a16:creationId xmlns:a16="http://schemas.microsoft.com/office/drawing/2014/main" id="{8F435559-C3D7-9F62-E5EE-0E1A78AAC82C}"/>
+              </a:ext>
+            </a:extLst>
+          </p:cNvPr>
+          <p:cNvGrpSpPr/>
           <p:nvPr/>
-        </p:nvSpPr>
+        </p:nvGrpSpPr>
+        <p:grpSpPr>
+          <a:xfrm>
+            <a:off x="3118961" y="2937372"/>
+            <a:ext cx="5954078" cy="3555503"/>
+            <a:chOff x="3118961" y="2937372"/>
+            <a:chExt cx="5954078" cy="3555503"/>
+          </a:xfrm>
+        </p:grpSpPr>
+        <p:grpSp>
+          <p:nvGrpSpPr>
+            <p:cNvPr id="10" name="グループ化 9">
+              <a:extLst>
+                <a:ext uri="{FF2B5EF4-FFF2-40B4-BE49-F238E27FC236}">
+                  <a16:creationId xmlns:a16="http://schemas.microsoft.com/office/drawing/2014/main" id="{CC25EE9A-62F3-CCDC-8AFC-2617542AFD57}"/>
+                </a:ext>
+              </a:extLst>
+            </p:cNvPr>
+            <p:cNvGrpSpPr/>
+            <p:nvPr/>
+          </p:nvGrpSpPr>
+          <p:grpSpPr>
+            <a:xfrm>
+              <a:off x="3118961" y="2937372"/>
+              <a:ext cx="5954078" cy="3555503"/>
+              <a:chOff x="3118961" y="2937372"/>
+              <a:chExt cx="5954078" cy="3555503"/>
+            </a:xfrm>
+          </p:grpSpPr>
+          <p:pic>
+            <p:nvPicPr>
+              <p:cNvPr id="7" name="Picture 2" descr="リモートリポジトリとローカルリポジトリについて">
+                <a:extLst>
+                  <a:ext uri="{FF2B5EF4-FFF2-40B4-BE49-F238E27FC236}">
+                    <a16:creationId xmlns:a16="http://schemas.microsoft.com/office/drawing/2014/main" id="{6669B9DA-A7C7-F218-E397-E8D25B2851A0}"/>
+                  </a:ext>
+                </a:extLst>
+              </p:cNvPr>
+              <p:cNvPicPr>
+                <a:picLocks noChangeAspect="1" noChangeArrowheads="1"/>
+              </p:cNvPicPr>
+              <p:nvPr/>
+            </p:nvPicPr>
+            <p:blipFill>
+              <a:blip r:embed="rId2">
+                <a:extLst>
+                  <a:ext uri="{28A0092B-C50C-407E-A947-70E740481C1C}">
+                    <a14:useLocalDpi xmlns:a14="http://schemas.microsoft.com/office/drawing/2010/main" val="0"/>
+                  </a:ext>
+                </a:extLst>
+              </a:blip>
+              <a:srcRect/>
+              <a:stretch>
+                <a:fillRect/>
+              </a:stretch>
+            </p:blipFill>
+            <p:spPr bwMode="auto">
+              <a:xfrm>
+                <a:off x="3118961" y="3081591"/>
+                <a:ext cx="5954078" cy="3411284"/>
+              </a:xfrm>
+              <a:prstGeom prst="rect">
+                <a:avLst/>
+              </a:prstGeom>
+              <a:noFill/>
+              <a:extLst>
+                <a:ext uri="{909E8E84-426E-40DD-AFC4-6F175D3DCCD1}">
+                  <a14:hiddenFill xmlns:a14="http://schemas.microsoft.com/office/drawing/2010/main">
+                    <a:solidFill>
+                      <a:srgbClr val="FFFFFF"/>
+                    </a:solidFill>
+                  </a14:hiddenFill>
+                </a:ext>
+              </a:extLst>
+            </p:spPr>
+          </p:pic>
+          <p:sp>
+            <p:nvSpPr>
+              <p:cNvPr id="8" name="正方形/長方形 7">
+                <a:extLst>
+                  <a:ext uri="{FF2B5EF4-FFF2-40B4-BE49-F238E27FC236}">
+                    <a16:creationId xmlns:a16="http://schemas.microsoft.com/office/drawing/2014/main" id="{BE2427EC-D102-5987-2397-04ABB3698D22}"/>
+                  </a:ext>
+                </a:extLst>
+              </p:cNvPr>
+              <p:cNvSpPr/>
+              <p:nvPr/>
+            </p:nvSpPr>
+            <p:spPr>
+              <a:xfrm>
+                <a:off x="5141297" y="2937372"/>
+                <a:ext cx="1957087" cy="1606347"/>
+              </a:xfrm>
+              <a:prstGeom prst="rect">
+                <a:avLst/>
+              </a:prstGeom>
+              <a:noFill/>
+              <a:ln w="38100">
+                <a:solidFill>
+                  <a:srgbClr val="FF0000"/>
+                </a:solidFill>
+              </a:ln>
+            </p:spPr>
+            <p:style>
+              <a:lnRef idx="2">
+                <a:schemeClr val="accent1">
+                  <a:shade val="50000"/>
+                </a:schemeClr>
+              </a:lnRef>
+              <a:fillRef idx="1">
+                <a:schemeClr val="accent1"/>
+              </a:fillRef>
+              <a:effectRef idx="0">
+                <a:schemeClr val="accent1"/>
+              </a:effectRef>
+              <a:fontRef idx="minor">
+                <a:schemeClr val="lt1"/>
+              </a:fontRef>
+            </p:style>
+            <p:txBody>
+              <a:bodyPr rtlCol="0" anchor="ctr"/>
+              <a:lstStyle/>
+              <a:p>
+                <a:pPr algn="ctr"/>
+                <a:endParaRPr kumimoji="1" lang="ja-JP" altLang="en-US"/>
+              </a:p>
+            </p:txBody>
+          </p:sp>
+        </p:grpSp>
+        <p:sp>
+          <p:nvSpPr>
+            <p:cNvPr id="9" name="テキスト ボックス 8">
+              <a:extLst>
+                <a:ext uri="{FF2B5EF4-FFF2-40B4-BE49-F238E27FC236}">
+                  <a16:creationId xmlns:a16="http://schemas.microsoft.com/office/drawing/2014/main" id="{9AB8B440-305E-B987-BDBE-AB2658158ED4}"/>
+                </a:ext>
+              </a:extLst>
+            </p:cNvPr>
+            <p:cNvSpPr txBox="1"/>
+            <p:nvPr/>
+          </p:nvSpPr>
+          <p:spPr>
+            <a:xfrm>
+              <a:off x="3206336" y="3331012"/>
+              <a:ext cx="1847587" cy="646331"/>
+            </a:xfrm>
+            <a:prstGeom prst="rect">
+              <a:avLst/>
+            </a:prstGeom>
+            <a:noFill/>
+          </p:spPr>
+          <p:txBody>
+            <a:bodyPr wrap="square" rtlCol="0">
+              <a:spAutoFit/>
+            </a:bodyPr>
+            <a:lstStyle/>
+            <a:p>
+              <a:r>
+                <a:rPr kumimoji="1" lang="en-US" altLang="ja-JP" sz="3600" b="1" u="sng" dirty="0" err="1"/>
+                <a:t>GtiHub</a:t>
+              </a:r>
+              <a:endParaRPr kumimoji="1" lang="ja-JP" altLang="en-US" sz="3600" b="1" u="sng" dirty="0"/>
+            </a:p>
+          </p:txBody>
+        </p:sp>
+      </p:grpSp>
+    </p:spTree>
+    <p:extLst>
+      <p:ext uri="{BB962C8B-B14F-4D97-AF65-F5344CB8AC3E}">
+        <p14:creationId xmlns:p14="http://schemas.microsoft.com/office/powerpoint/2010/main" val="3535370919"/>
+      </p:ext>
+    </p:extLst>
+  </p:cSld>
+  <p:clrMapOvr>
+    <a:masterClrMapping/>
+  </p:clrMapOvr>
+</p:sld>
+</file>
+
+<file path=ppt/slides/slide6.xml><?xml version="1.0" encoding="utf-8"?>
+<p:sld xmlns:a="http://schemas.openxmlformats.org/drawingml/2006/main" xmlns:r="http://schemas.openxmlformats.org/officeDocument/2006/relationships" xmlns:p="http://schemas.openxmlformats.org/presentationml/2006/main">
+  <p:cSld>
+    <p:spTree>
+      <p:nvGrpSpPr>
+        <p:cNvPr id="1" name=""/>
+        <p:cNvGrpSpPr/>
+        <p:nvPr/>
+      </p:nvGrpSpPr>
+      <p:grpSpPr>
+        <a:xfrm>
+          <a:off x="0" y="0"/>
+          <a:ext cx="0" cy="0"/>
+          <a:chOff x="0" y="0"/>
+          <a:chExt cx="0" cy="0"/>
+        </a:xfrm>
+      </p:grpSpPr>
+      <p:sp>
+        <p:nvSpPr>
+          <p:cNvPr id="2" name="タイトル 1">
+            <a:extLst>
+              <a:ext uri="{FF2B5EF4-FFF2-40B4-BE49-F238E27FC236}">
+                <a16:creationId xmlns:a16="http://schemas.microsoft.com/office/drawing/2014/main" id="{D9873B7C-6C1D-D2D7-81F6-B907AC67CC1A}"/>
+              </a:ext>
+            </a:extLst>
+          </p:cNvPr>
+          <p:cNvSpPr>
+            <a:spLocks noGrp="1"/>
+          </p:cNvSpPr>
+          <p:nvPr>
+            <p:ph type="title"/>
+          </p:nvPr>
+        </p:nvSpPr>
+        <p:spPr/>
+        <p:txBody>
+          <a:bodyPr/>
+          <a:lstStyle/>
+          <a:p>
+            <a:r>
+              <a:rPr lang="en-US" altLang="ja-JP" dirty="0"/>
+              <a:t>Git</a:t>
+            </a:r>
+            <a:r>
+              <a:rPr lang="ja-JP" altLang="en-US" dirty="0"/>
+              <a:t>のインストール</a:t>
+            </a:r>
+            <a:r>
+              <a:rPr lang="en-US" altLang="ja-JP" dirty="0"/>
+              <a:t>(</a:t>
+            </a:r>
+            <a:r>
+              <a:rPr lang="en-US" altLang="ja-JP" dirty="0" err="1"/>
+              <a:t>Sourcetree</a:t>
+            </a:r>
+            <a:r>
+              <a:rPr lang="ja-JP" altLang="en-US" dirty="0"/>
+              <a:t>導入</a:t>
+            </a:r>
+            <a:r>
+              <a:rPr lang="en-US" altLang="ja-JP" dirty="0"/>
+              <a:t>)</a:t>
+            </a:r>
+            <a:endParaRPr kumimoji="1" lang="ja-JP" altLang="en-US" dirty="0"/>
+          </a:p>
+        </p:txBody>
+      </p:sp>
+      <p:pic>
+        <p:nvPicPr>
+          <p:cNvPr id="9" name="図 8">
+            <a:extLst>
+              <a:ext uri="{FF2B5EF4-FFF2-40B4-BE49-F238E27FC236}">
+                <a16:creationId xmlns:a16="http://schemas.microsoft.com/office/drawing/2014/main" id="{2BA6B5EE-F211-0204-BE58-E8619710E219}"/>
+              </a:ext>
+            </a:extLst>
+          </p:cNvPr>
+          <p:cNvPicPr>
+            <a:picLocks noChangeAspect="1"/>
+          </p:cNvPicPr>
+          <p:nvPr/>
+        </p:nvPicPr>
+        <p:blipFill>
+          <a:blip r:embed="rId2"/>
+          <a:stretch>
+            <a:fillRect/>
+          </a:stretch>
+        </p:blipFill>
         <p:spPr>
           <a:xfrm>
-            <a:off x="3206336" y="3331012"/>
-            <a:ext cx="1847587" cy="646331"/>
+            <a:off x="1804987" y="1375233"/>
+            <a:ext cx="8582025" cy="5238750"/>
+          </a:xfrm>
+          <a:prstGeom prst="rect">
+            <a:avLst/>
+          </a:prstGeom>
+        </p:spPr>
+      </p:pic>
+      <p:sp>
+        <p:nvSpPr>
+          <p:cNvPr id="12" name="正方形/長方形 11">
+            <a:extLst>
+              <a:ext uri="{FF2B5EF4-FFF2-40B4-BE49-F238E27FC236}">
+                <a16:creationId xmlns:a16="http://schemas.microsoft.com/office/drawing/2014/main" id="{320E524E-6028-5744-8E88-8CF0E43BB8D0}"/>
+              </a:ext>
+            </a:extLst>
+          </p:cNvPr>
+          <p:cNvSpPr/>
+          <p:nvPr/>
+        </p:nvSpPr>
+        <p:spPr>
+          <a:xfrm>
+            <a:off x="8302787" y="5875506"/>
+            <a:ext cx="967674" cy="410434"/>
           </a:xfrm>
           <a:prstGeom prst="rect">
             <a:avLst/>
           </a:prstGeom>
           <a:noFill/>
+          <a:ln w="38100">
+            <a:solidFill>
+              <a:srgbClr val="FF0000"/>
+            </a:solidFill>
+          </a:ln>
         </p:spPr>
-        <p:txBody>
-          <a:bodyPr wrap="square" rtlCol="0">
-            <a:spAutoFit/>
-          </a:bodyPr>
+        <p:style>
+          <a:lnRef idx="2">
+            <a:schemeClr val="accent1">
+              <a:shade val="50000"/>
+            </a:schemeClr>
+          </a:lnRef>
+          <a:fillRef idx="1">
+            <a:schemeClr val="accent1"/>
+          </a:fillRef>
+          <a:effectRef idx="0">
+            <a:schemeClr val="accent1"/>
+          </a:effectRef>
+          <a:fontRef idx="minor">
+            <a:schemeClr val="lt1"/>
+          </a:fontRef>
+        </p:style>
+        <p:txBody>
+          <a:bodyPr rtlCol="0" anchor="ctr"/>
           <a:lstStyle/>
           <a:p>
-            <a:r>
-              <a:rPr kumimoji="1" lang="en-US" altLang="ja-JP" sz="3600" b="1" dirty="0" err="1"/>
-              <a:t>GtiHub</a:t>
-            </a:r>
-            <a:endParaRPr kumimoji="1" lang="ja-JP" altLang="en-US" sz="3600" b="1" dirty="0"/>
+            <a:pPr algn="ctr"/>
+            <a:endParaRPr kumimoji="1" lang="ja-JP" altLang="en-US"/>
           </a:p>
         </p:txBody>
       </p:sp>
     </p:spTree>
     <p:extLst>
       <p:ext uri="{BB962C8B-B14F-4D97-AF65-F5344CB8AC3E}">
-        <p14:creationId xmlns:p14="http://schemas.microsoft.com/office/powerpoint/2010/main" val="3535370919"/>
+        <p14:creationId xmlns:p14="http://schemas.microsoft.com/office/powerpoint/2010/main" val="1733090859"/>
+      </p:ext>
+    </p:extLst>
+  </p:cSld>
+  <p:clrMapOvr>
+    <a:masterClrMapping/>
+  </p:clrMapOvr>
+</p:sld>
+</file>
+
+<file path=ppt/slides/slide7.xml><?xml version="1.0" encoding="utf-8"?>
+<p:sld xmlns:a="http://schemas.openxmlformats.org/drawingml/2006/main" xmlns:r="http://schemas.openxmlformats.org/officeDocument/2006/relationships" xmlns:p="http://schemas.openxmlformats.org/presentationml/2006/main">
+  <p:cSld>
+    <p:spTree>
+      <p:nvGrpSpPr>
+        <p:cNvPr id="1" name=""/>
+        <p:cNvGrpSpPr/>
+        <p:nvPr/>
+      </p:nvGrpSpPr>
+      <p:grpSpPr>
+        <a:xfrm>
+          <a:off x="0" y="0"/>
+          <a:ext cx="0" cy="0"/>
+          <a:chOff x="0" y="0"/>
+          <a:chExt cx="0" cy="0"/>
+        </a:xfrm>
+      </p:grpSpPr>
+      <p:pic>
+        <p:nvPicPr>
+          <p:cNvPr id="4" name="図 3">
+            <a:extLst>
+              <a:ext uri="{FF2B5EF4-FFF2-40B4-BE49-F238E27FC236}">
+                <a16:creationId xmlns:a16="http://schemas.microsoft.com/office/drawing/2014/main" id="{8A68DB68-925A-7A9E-95EF-B6701AB13321}"/>
+              </a:ext>
+            </a:extLst>
+          </p:cNvPr>
+          <p:cNvPicPr>
+            <a:picLocks noChangeAspect="1"/>
+          </p:cNvPicPr>
+          <p:nvPr/>
+        </p:nvPicPr>
+        <p:blipFill>
+          <a:blip r:embed="rId2"/>
+          <a:stretch>
+            <a:fillRect/>
+          </a:stretch>
+        </p:blipFill>
+        <p:spPr>
+          <a:xfrm>
+            <a:off x="989469" y="261904"/>
+            <a:ext cx="8582025" cy="5238750"/>
+          </a:xfrm>
+          <a:prstGeom prst="rect">
+            <a:avLst/>
+          </a:prstGeom>
+        </p:spPr>
+      </p:pic>
+      <p:sp>
+        <p:nvSpPr>
+          <p:cNvPr id="5" name="正方形/長方形 4">
+            <a:extLst>
+              <a:ext uri="{FF2B5EF4-FFF2-40B4-BE49-F238E27FC236}">
+                <a16:creationId xmlns:a16="http://schemas.microsoft.com/office/drawing/2014/main" id="{066229FE-F40B-6130-6A7B-FAA4329EE363}"/>
+              </a:ext>
+            </a:extLst>
+          </p:cNvPr>
+          <p:cNvSpPr/>
+          <p:nvPr/>
+        </p:nvSpPr>
+        <p:spPr>
+          <a:xfrm>
+            <a:off x="8507069" y="4785628"/>
+            <a:ext cx="743936" cy="389488"/>
+          </a:xfrm>
+          <a:prstGeom prst="rect">
+            <a:avLst/>
+          </a:prstGeom>
+          <a:noFill/>
+          <a:ln w="38100">
+            <a:solidFill>
+              <a:srgbClr val="FF0000"/>
+            </a:solidFill>
+          </a:ln>
+        </p:spPr>
+        <p:style>
+          <a:lnRef idx="2">
+            <a:schemeClr val="accent1">
+              <a:shade val="50000"/>
+            </a:schemeClr>
+          </a:lnRef>
+          <a:fillRef idx="1">
+            <a:schemeClr val="accent1"/>
+          </a:fillRef>
+          <a:effectRef idx="0">
+            <a:schemeClr val="accent1"/>
+          </a:effectRef>
+          <a:fontRef idx="minor">
+            <a:schemeClr val="lt1"/>
+          </a:fontRef>
+        </p:style>
+        <p:txBody>
+          <a:bodyPr rtlCol="0" anchor="ctr"/>
+          <a:lstStyle/>
+          <a:p>
+            <a:pPr algn="ctr"/>
+            <a:endParaRPr kumimoji="1" lang="ja-JP" altLang="en-US"/>
+          </a:p>
+        </p:txBody>
+      </p:sp>
+      <p:sp>
+        <p:nvSpPr>
+          <p:cNvPr id="6" name="正方形/長方形 5">
+            <a:extLst>
+              <a:ext uri="{FF2B5EF4-FFF2-40B4-BE49-F238E27FC236}">
+                <a16:creationId xmlns:a16="http://schemas.microsoft.com/office/drawing/2014/main" id="{56C4CF98-1CB1-D6B0-3FAD-B77E5921CB36}"/>
+              </a:ext>
+            </a:extLst>
+          </p:cNvPr>
+          <p:cNvSpPr/>
+          <p:nvPr/>
+        </p:nvSpPr>
+        <p:spPr>
+          <a:xfrm>
+            <a:off x="3873461" y="1162602"/>
+            <a:ext cx="743936" cy="389488"/>
+          </a:xfrm>
+          <a:prstGeom prst="rect">
+            <a:avLst/>
+          </a:prstGeom>
+          <a:noFill/>
+          <a:ln w="38100">
+            <a:solidFill>
+              <a:srgbClr val="FF0000"/>
+            </a:solidFill>
+          </a:ln>
+        </p:spPr>
+        <p:style>
+          <a:lnRef idx="2">
+            <a:schemeClr val="accent1">
+              <a:shade val="50000"/>
+            </a:schemeClr>
+          </a:lnRef>
+          <a:fillRef idx="1">
+            <a:schemeClr val="accent1"/>
+          </a:fillRef>
+          <a:effectRef idx="0">
+            <a:schemeClr val="accent1"/>
+          </a:effectRef>
+          <a:fontRef idx="minor">
+            <a:schemeClr val="lt1"/>
+          </a:fontRef>
+        </p:style>
+        <p:txBody>
+          <a:bodyPr rtlCol="0" anchor="ctr"/>
+          <a:lstStyle/>
+          <a:p>
+            <a:pPr algn="ctr"/>
+            <a:endParaRPr kumimoji="1" lang="ja-JP" altLang="en-US"/>
+          </a:p>
+        </p:txBody>
+      </p:sp>
+    </p:spTree>
+    <p:extLst>
+      <p:ext uri="{BB962C8B-B14F-4D97-AF65-F5344CB8AC3E}">
+        <p14:creationId xmlns:p14="http://schemas.microsoft.com/office/powerpoint/2010/main" val="1304049177"/>
+      </p:ext>
+    </p:extLst>
+  </p:cSld>
+  <p:clrMapOvr>
+    <a:masterClrMapping/>
+  </p:clrMapOvr>
+</p:sld>
+</file>
+
+<file path=ppt/slides/slide8.xml><?xml version="1.0" encoding="utf-8"?>
+<p:sld xmlns:a="http://schemas.openxmlformats.org/drawingml/2006/main" xmlns:r="http://schemas.openxmlformats.org/officeDocument/2006/relationships" xmlns:p="http://schemas.openxmlformats.org/presentationml/2006/main">
+  <p:cSld>
+    <p:spTree>
+      <p:nvGrpSpPr>
+        <p:cNvPr id="1" name=""/>
+        <p:cNvGrpSpPr/>
+        <p:nvPr/>
+      </p:nvGrpSpPr>
+      <p:grpSpPr>
+        <a:xfrm>
+          <a:off x="0" y="0"/>
+          <a:ext cx="0" cy="0"/>
+          <a:chOff x="0" y="0"/>
+          <a:chExt cx="0" cy="0"/>
+        </a:xfrm>
+      </p:grpSpPr>
+      <p:pic>
+        <p:nvPicPr>
+          <p:cNvPr id="5" name="図 4">
+            <a:extLst>
+              <a:ext uri="{FF2B5EF4-FFF2-40B4-BE49-F238E27FC236}">
+                <a16:creationId xmlns:a16="http://schemas.microsoft.com/office/drawing/2014/main" id="{43C12FC2-B9D5-CB9F-51AF-0C4AE37C17C6}"/>
+              </a:ext>
+            </a:extLst>
+          </p:cNvPr>
+          <p:cNvPicPr>
+            <a:picLocks noChangeAspect="1"/>
+          </p:cNvPicPr>
+          <p:nvPr/>
+        </p:nvPicPr>
+        <p:blipFill>
+          <a:blip r:embed="rId2"/>
+          <a:stretch>
+            <a:fillRect/>
+          </a:stretch>
+        </p:blipFill>
+        <p:spPr>
+          <a:xfrm>
+            <a:off x="1804987" y="809625"/>
+            <a:ext cx="8582025" cy="5238750"/>
+          </a:xfrm>
+          <a:prstGeom prst="rect">
+            <a:avLst/>
+          </a:prstGeom>
+        </p:spPr>
+      </p:pic>
+      <p:sp>
+        <p:nvSpPr>
+          <p:cNvPr id="6" name="正方形/長方形 5">
+            <a:extLst>
+              <a:ext uri="{FF2B5EF4-FFF2-40B4-BE49-F238E27FC236}">
+                <a16:creationId xmlns:a16="http://schemas.microsoft.com/office/drawing/2014/main" id="{DDC15A7E-0B34-7C83-F52D-D512AF886D2A}"/>
+              </a:ext>
+            </a:extLst>
+          </p:cNvPr>
+          <p:cNvSpPr/>
+          <p:nvPr/>
+        </p:nvSpPr>
+        <p:spPr>
+          <a:xfrm>
+            <a:off x="4752193" y="1974334"/>
+            <a:ext cx="3603866" cy="389488"/>
+          </a:xfrm>
+          <a:prstGeom prst="rect">
+            <a:avLst/>
+          </a:prstGeom>
+          <a:noFill/>
+          <a:ln w="38100">
+            <a:solidFill>
+              <a:srgbClr val="FF0000"/>
+            </a:solidFill>
+          </a:ln>
+        </p:spPr>
+        <p:style>
+          <a:lnRef idx="2">
+            <a:schemeClr val="accent1">
+              <a:shade val="50000"/>
+            </a:schemeClr>
+          </a:lnRef>
+          <a:fillRef idx="1">
+            <a:schemeClr val="accent1"/>
+          </a:fillRef>
+          <a:effectRef idx="0">
+            <a:schemeClr val="accent1"/>
+          </a:effectRef>
+          <a:fontRef idx="minor">
+            <a:schemeClr val="lt1"/>
+          </a:fontRef>
+        </p:style>
+        <p:txBody>
+          <a:bodyPr rtlCol="0" anchor="ctr"/>
+          <a:lstStyle/>
+          <a:p>
+            <a:pPr algn="ctr"/>
+            <a:endParaRPr kumimoji="1" lang="ja-JP" altLang="en-US"/>
+          </a:p>
+        </p:txBody>
+      </p:sp>
+      <p:sp>
+        <p:nvSpPr>
+          <p:cNvPr id="7" name="正方形/長方形 6">
+            <a:extLst>
+              <a:ext uri="{FF2B5EF4-FFF2-40B4-BE49-F238E27FC236}">
+                <a16:creationId xmlns:a16="http://schemas.microsoft.com/office/drawing/2014/main" id="{1C0E72CF-96B2-6E51-817C-B5AF560405C9}"/>
+              </a:ext>
+            </a:extLst>
+          </p:cNvPr>
+          <p:cNvSpPr/>
+          <p:nvPr/>
+        </p:nvSpPr>
+        <p:spPr>
+          <a:xfrm>
+            <a:off x="4732737" y="2535297"/>
+            <a:ext cx="3623322" cy="389488"/>
+          </a:xfrm>
+          <a:prstGeom prst="rect">
+            <a:avLst/>
+          </a:prstGeom>
+          <a:noFill/>
+          <a:ln w="38100">
+            <a:solidFill>
+              <a:srgbClr val="FF0000"/>
+            </a:solidFill>
+          </a:ln>
+        </p:spPr>
+        <p:style>
+          <a:lnRef idx="2">
+            <a:schemeClr val="accent1">
+              <a:shade val="50000"/>
+            </a:schemeClr>
+          </a:lnRef>
+          <a:fillRef idx="1">
+            <a:schemeClr val="accent1"/>
+          </a:fillRef>
+          <a:effectRef idx="0">
+            <a:schemeClr val="accent1"/>
+          </a:effectRef>
+          <a:fontRef idx="minor">
+            <a:schemeClr val="lt1"/>
+          </a:fontRef>
+        </p:style>
+        <p:txBody>
+          <a:bodyPr rtlCol="0" anchor="ctr"/>
+          <a:lstStyle/>
+          <a:p>
+            <a:pPr algn="ctr"/>
+            <a:endParaRPr kumimoji="1" lang="ja-JP" altLang="en-US"/>
+          </a:p>
+        </p:txBody>
+      </p:sp>
+      <p:sp>
+        <p:nvSpPr>
+          <p:cNvPr id="8" name="正方形/長方形 7">
+            <a:extLst>
+              <a:ext uri="{FF2B5EF4-FFF2-40B4-BE49-F238E27FC236}">
+                <a16:creationId xmlns:a16="http://schemas.microsoft.com/office/drawing/2014/main" id="{C3FB09A4-4CDE-5D54-A9C6-07AF2A836205}"/>
+              </a:ext>
+            </a:extLst>
+          </p:cNvPr>
+          <p:cNvSpPr/>
+          <p:nvPr/>
+        </p:nvSpPr>
+        <p:spPr>
+          <a:xfrm>
+            <a:off x="9314465" y="5272011"/>
+            <a:ext cx="743936" cy="389488"/>
+          </a:xfrm>
+          <a:prstGeom prst="rect">
+            <a:avLst/>
+          </a:prstGeom>
+          <a:noFill/>
+          <a:ln w="38100">
+            <a:solidFill>
+              <a:srgbClr val="FF0000"/>
+            </a:solidFill>
+          </a:ln>
+        </p:spPr>
+        <p:style>
+          <a:lnRef idx="2">
+            <a:schemeClr val="accent1">
+              <a:shade val="50000"/>
+            </a:schemeClr>
+          </a:lnRef>
+          <a:fillRef idx="1">
+            <a:schemeClr val="accent1"/>
+          </a:fillRef>
+          <a:effectRef idx="0">
+            <a:schemeClr val="accent1"/>
+          </a:effectRef>
+          <a:fontRef idx="minor">
+            <a:schemeClr val="lt1"/>
+          </a:fontRef>
+        </p:style>
+        <p:txBody>
+          <a:bodyPr rtlCol="0" anchor="ctr"/>
+          <a:lstStyle/>
+          <a:p>
+            <a:pPr algn="ctr"/>
+            <a:endParaRPr kumimoji="1" lang="ja-JP" altLang="en-US"/>
+          </a:p>
+        </p:txBody>
+      </p:sp>
+    </p:spTree>
+    <p:extLst>
+      <p:ext uri="{BB962C8B-B14F-4D97-AF65-F5344CB8AC3E}">
+        <p14:creationId xmlns:p14="http://schemas.microsoft.com/office/powerpoint/2010/main" val="1004262506"/>
+      </p:ext>
+    </p:extLst>
+  </p:cSld>
+  <p:clrMapOvr>
+    <a:masterClrMapping/>
+  </p:clrMapOvr>
+</p:sld>
+</file>
+
+<file path=ppt/slides/slide9.xml><?xml version="1.0" encoding="utf-8"?>
+<p:sld xmlns:a="http://schemas.openxmlformats.org/drawingml/2006/main" xmlns:r="http://schemas.openxmlformats.org/officeDocument/2006/relationships" xmlns:p="http://schemas.openxmlformats.org/presentationml/2006/main">
+  <p:cSld>
+    <p:spTree>
+      <p:nvGrpSpPr>
+        <p:cNvPr id="1" name=""/>
+        <p:cNvGrpSpPr/>
+        <p:nvPr/>
+      </p:nvGrpSpPr>
+      <p:grpSpPr>
+        <a:xfrm>
+          <a:off x="0" y="0"/>
+          <a:ext cx="0" cy="0"/>
+          <a:chOff x="0" y="0"/>
+          <a:chExt cx="0" cy="0"/>
+        </a:xfrm>
+      </p:grpSpPr>
+      <p:pic>
+        <p:nvPicPr>
+          <p:cNvPr id="5" name="図 4">
+            <a:extLst>
+              <a:ext uri="{FF2B5EF4-FFF2-40B4-BE49-F238E27FC236}">
+                <a16:creationId xmlns:a16="http://schemas.microsoft.com/office/drawing/2014/main" id="{B2980D5B-3261-280D-810E-F772C2C1E7D4}"/>
+              </a:ext>
+            </a:extLst>
+          </p:cNvPr>
+          <p:cNvPicPr>
+            <a:picLocks noChangeAspect="1"/>
+          </p:cNvPicPr>
+          <p:nvPr/>
+        </p:nvPicPr>
+        <p:blipFill>
+          <a:blip r:embed="rId2"/>
+          <a:stretch>
+            <a:fillRect/>
+          </a:stretch>
+        </p:blipFill>
+        <p:spPr>
+          <a:xfrm>
+            <a:off x="1911088" y="1825625"/>
+            <a:ext cx="5372100" cy="1552575"/>
+          </a:xfrm>
+          <a:prstGeom prst="rect">
+            <a:avLst/>
+          </a:prstGeom>
+        </p:spPr>
+      </p:pic>
+    </p:spTree>
+    <p:extLst>
+      <p:ext uri="{BB962C8B-B14F-4D97-AF65-F5344CB8AC3E}">
+        <p14:creationId xmlns:p14="http://schemas.microsoft.com/office/powerpoint/2010/main" val="261692341"/>
       </p:ext>
     </p:extLst>
   </p:cSld>
